--- a/src/main/webapp/WEB-INF/Files/요약본_sample.pptx
+++ b/src/main/webapp/WEB-INF/Files/요약본_sample.pptx
@@ -84,7 +84,7 @@
       </p:grpSpPr>
       <p:sp>
         <p:nvSpPr>
-          <p:cNvPr id="1563736122" name="Text">
+          <p:cNvPr id="1758397387" name="Text">
     </p:cNvPr>
           <p:cNvSpPr>
             <a:spLocks noGrp="1"/>
@@ -130,7 +130,7 @@
       </p:sp>
       <p:sp>
         <p:nvSpPr>
-          <p:cNvPr id="1259192548" name="Line"/>
+          <p:cNvPr id="1608908257" name="Line"/>
           <p:cNvSpPr>
             <a:spLocks noGrp="1"/>
           </p:cNvSpPr>
@@ -164,7 +164,7 @@
       </p:sp>
       <p:sp>
         <p:nvSpPr>
-          <p:cNvPr id="1152549999" name="Text">
+          <p:cNvPr id="699778789" name="Text">
     </p:cNvPr>
           <p:cNvSpPr>
             <a:spLocks noGrp="1"/>
@@ -228,7 +228,7 @@
       </p:sp>
       <p:sp>
         <p:nvSpPr>
-          <p:cNvPr id="805400429" name="Rectangle"/>
+          <p:cNvPr id="1709155658" name="Rectangle"/>
           <p:cNvSpPr>
             <a:spLocks noGrp="1"/>
           </p:cNvSpPr>
@@ -262,7 +262,7 @@
       </p:sp>
       <p:sp>
         <p:nvSpPr>
-          <p:cNvPr id="1217193023" name="Rectangle"/>
+          <p:cNvPr id="1964909409" name="Rectangle"/>
           <p:cNvSpPr>
             <a:spLocks noGrp="1"/>
           </p:cNvSpPr>
@@ -296,7 +296,7 @@
       </p:sp>
       <p:sp>
         <p:nvSpPr>
-          <p:cNvPr id="1831016234" name="Rectangle"/>
+          <p:cNvPr id="90493654" name="Rectangle"/>
           <p:cNvSpPr>
             <a:spLocks noGrp="1"/>
           </p:cNvSpPr>
@@ -330,7 +330,7 @@
       </p:sp>
       <p:sp>
         <p:nvSpPr>
-          <p:cNvPr id="1029863197" name="Text">
+          <p:cNvPr id="39960177" name="Text">
     </p:cNvPr>
           <p:cNvSpPr>
             <a:spLocks noGrp="1"/>
@@ -374,7 +374,7 @@
       </p:sp>
       <p:sp>
         <p:nvSpPr>
-          <p:cNvPr id="111353307" name="Text">
+          <p:cNvPr id="437038722" name="Text">
     </p:cNvPr>
           <p:cNvSpPr>
             <a:spLocks noGrp="1"/>
@@ -419,7 +419,7 @@
                 <a:ea typeface="맑은 고딕"/>
                 <a:cs typeface="맑은 고딕"/>
               </a:rPr>
-              <a:t>02/06</a:t>
+              <a:t>02/13</a:t>
             </a:r>
             <a:br/>
             <a:r>
@@ -428,14 +428,14 @@
                 <a:ea typeface="맑은 고딕"/>
                 <a:cs typeface="맑은 고딕"/>
               </a:rPr>
-              <a:t>02/06</a:t>
-            </a:r>
-          </a:p>
-        </p:txBody>
-      </p:sp>
-      <p:sp>
-        <p:nvSpPr>
-          <p:cNvPr id="698461228" name="Text">
+              <a:t>02/13</a:t>
+            </a:r>
+          </a:p>
+        </p:txBody>
+      </p:sp>
+      <p:sp>
+        <p:nvSpPr>
+          <p:cNvPr id="512590729" name="Text">
     </p:cNvPr>
           <p:cNvSpPr>
             <a:spLocks noGrp="1"/>
@@ -480,7 +480,7 @@
                 <a:ea typeface="맑은 고딕"/>
                 <a:cs typeface="맑은 고딕"/>
               </a:rPr>
-              <a:t> [BC] [BC] SAP 시스템 정기 모니터링</a:t>
+              <a:t>[BC] SAP 시스템 정기 모니터링</a:t>
             </a:r>
             <a:br/>
             <a:r>
@@ -489,14 +489,14 @@
                 <a:ea typeface="맑은 고딕"/>
                 <a:cs typeface="맑은 고딕"/>
               </a:rPr>
-              <a:t> [BC] [BC] SAP 시스템 이관 / 변경</a:t>
-            </a:r>
-          </a:p>
-        </p:txBody>
-      </p:sp>
-      <p:sp>
-        <p:nvSpPr>
-          <p:cNvPr id="1548641397" name="Text">
+              <a:t>[BC] SAP 시스템 이관 / 변경</a:t>
+            </a:r>
+          </a:p>
+        </p:txBody>
+      </p:sp>
+      <p:sp>
+        <p:nvSpPr>
+          <p:cNvPr id="1029439724" name="Text">
     </p:cNvPr>
           <p:cNvSpPr>
             <a:spLocks noGrp="1"/>
@@ -548,7 +548,7 @@
       </p:sp>
       <p:sp>
         <p:nvSpPr>
-          <p:cNvPr id="1916418686" name="Text">
+          <p:cNvPr id="843166464" name="Text">
     </p:cNvPr>
           <p:cNvSpPr>
             <a:spLocks noGrp="1"/>
@@ -600,7 +600,7 @@
       </p:sp>
       <p:sp>
         <p:nvSpPr>
-          <p:cNvPr id="1818868775" name="Text">
+          <p:cNvPr id="1296462708" name="Text">
     </p:cNvPr>
           <p:cNvSpPr>
             <a:spLocks noGrp="1"/>
@@ -645,7 +645,7 @@
                 <a:ea typeface="맑은 고딕"/>
                 <a:cs typeface="맑은 고딕"/>
               </a:rPr>
-              <a:t> [BC] [BC] SAP 시스템 정기 모니터링</a:t>
+              <a:t>[BC] SAP 시스템 정기 모니터링</a:t>
             </a:r>
             <a:br/>
             <a:r>
@@ -654,14 +654,32 @@
                 <a:ea typeface="맑은 고딕"/>
                 <a:cs typeface="맑은 고딕"/>
               </a:rPr>
-              <a:t> [BC] [BC] SAP 시스템 이관 / 변경</a:t>
-            </a:r>
-          </a:p>
-        </p:txBody>
-      </p:sp>
-      <p:sp>
-        <p:nvSpPr>
-          <p:cNvPr id="1208859978" name="Text">
+              <a:t>[BC] SAP 시스템 이관 / 변경</a:t>
+            </a:r>
+            <a:br/>
+            <a:r>
+              <a:rPr lang="ko" sz="900">
+                <a:latin typeface="맑은 고딕"/>
+                <a:ea typeface="맑은 고딕"/>
+                <a:cs typeface="맑은 고딕"/>
+              </a:rPr>
+              <a:t>[BC] (구)조회용 ERP시스템 DB 아카이브 </a:t>
+            </a:r>
+            <a:br/>
+            <a:r>
+              <a:rPr lang="ko" sz="900">
+                <a:latin typeface="맑은 고딕"/>
+                <a:ea typeface="맑은 고딕"/>
+                <a:cs typeface="맑은 고딕"/>
+              </a:rPr>
+              <a:t>로그 삭제 작업(‘22.04월~’22.11월)</a:t>
+            </a:r>
+          </a:p>
+        </p:txBody>
+      </p:sp>
+      <p:sp>
+        <p:nvSpPr>
+          <p:cNvPr id="1059397790" name="Text">
     </p:cNvPr>
           <p:cNvSpPr>
             <a:spLocks noGrp="1"/>
@@ -705,7 +723,7 @@
       </p:sp>
       <p:sp>
         <p:nvSpPr>
-          <p:cNvPr id="1741620722" name="Text">
+          <p:cNvPr id="1646464246" name="Text">
     </p:cNvPr>
           <p:cNvSpPr>
             <a:spLocks noGrp="1"/>
@@ -750,14 +768,14 @@
                 <a:ea typeface="맑은 고딕"/>
                 <a:cs typeface="맑은 고딕"/>
               </a:rPr>
-              <a:t>완료</a:t>
-            </a:r>
-          </a:p>
-        </p:txBody>
-      </p:sp>
-      <p:sp>
-        <p:nvSpPr>
-          <p:cNvPr id="1149577919" name="Text">
+              <a:t>진행중</a:t>
+            </a:r>
+          </a:p>
+        </p:txBody>
+      </p:sp>
+      <p:sp>
+        <p:nvSpPr>
+          <p:cNvPr id="1573222913" name="Text">
     </p:cNvPr>
           <p:cNvSpPr>
             <a:spLocks noGrp="1"/>
@@ -806,7 +824,7 @@
       </p:sp>
       <p:sp>
         <p:nvSpPr>
-          <p:cNvPr id="1697398412" name="Text">
+          <p:cNvPr id="593915678" name="Text">
     </p:cNvPr>
           <p:cNvSpPr>
             <a:spLocks noGrp="1"/>
@@ -855,7 +873,7 @@
       </p:sp>
       <p:sp>
         <p:nvSpPr>
-          <p:cNvPr id="1080961166" name="Text">
+          <p:cNvPr id="902924860" name="Text">
     </p:cNvPr>
           <p:cNvSpPr>
             <a:spLocks noGrp="1"/>
@@ -910,7 +928,7 @@
       </p:sp>
       <p:sp>
         <p:nvSpPr>
-          <p:cNvPr id="1603360228" name="Text">
+          <p:cNvPr id="1332704460" name="Text">
     </p:cNvPr>
           <p:cNvSpPr>
             <a:spLocks noGrp="1"/>
@@ -965,7 +983,7 @@
       </p:sp>
       <p:sp>
         <p:nvSpPr>
-          <p:cNvPr id="850156667" name="Text">
+          <p:cNvPr id="965478994" name="Text">
     </p:cNvPr>
           <p:cNvSpPr>
             <a:spLocks noGrp="1"/>
@@ -1020,7 +1038,7 @@
       </p:sp>
       <p:sp>
         <p:nvSpPr>
-          <p:cNvPr id="921750780" name="Text">
+          <p:cNvPr id="688032994" name="Text">
     </p:cNvPr>
           <p:cNvSpPr>
             <a:spLocks noGrp="1"/>
@@ -1084,7 +1102,7 @@
       </p:sp>
       <p:sp>
         <p:nvSpPr>
-          <p:cNvPr id="132888820" name="Text">
+          <p:cNvPr id="272331668" name="Text">
     </p:cNvPr>
           <p:cNvSpPr>
             <a:spLocks noGrp="1"/>
@@ -1139,7 +1157,7 @@
       </p:sp>
       <p:sp>
         <p:nvSpPr>
-          <p:cNvPr id="1375794072" name="Text">
+          <p:cNvPr id="608611403" name="Text">
     </p:cNvPr>
           <p:cNvSpPr>
             <a:spLocks noGrp="1"/>
@@ -1194,7 +1212,7 @@
       </p:sp>
       <p:sp>
         <p:nvSpPr>
-          <p:cNvPr id="43983399" name="Text">
+          <p:cNvPr id="2109864971" name="Text">
     </p:cNvPr>
           <p:cNvSpPr>
             <a:spLocks noGrp="1"/>
@@ -1249,7 +1267,7 @@
       </p:sp>
       <p:sp>
         <p:nvSpPr>
-          <p:cNvPr id="850958756" name="Text">
+          <p:cNvPr id="1075387085" name="Text">
     </p:cNvPr>
           <p:cNvSpPr>
             <a:spLocks noGrp="1"/>
@@ -1304,7 +1322,7 @@
       </p:sp>
       <p:sp>
         <p:nvSpPr>
-          <p:cNvPr id="1758378783" name="Text">
+          <p:cNvPr id="192243337" name="Text">
     </p:cNvPr>
           <p:cNvSpPr>
             <a:spLocks noGrp="1"/>
@@ -1359,7 +1377,7 @@
       </p:sp>
       <p:sp>
         <p:nvSpPr>
-          <p:cNvPr id="1032260013" name="Text">
+          <p:cNvPr id="448833368" name="Text">
     </p:cNvPr>
           <p:cNvSpPr>
             <a:spLocks noGrp="1"/>
@@ -1414,7 +1432,7 @@
       </p:sp>
       <p:sp>
         <p:nvSpPr>
-          <p:cNvPr id="1190304288" name="Text">
+          <p:cNvPr id="1746084271" name="Text">
     </p:cNvPr>
           <p:cNvSpPr>
             <a:spLocks noGrp="1"/>
@@ -1459,7 +1477,7 @@
                 <a:ea typeface="맑은 고딕"/>
                 <a:cs typeface="맑은 고딕"/>
               </a:rPr>
-              <a:t>01/30</a:t>
+              <a:t>02/06</a:t>
             </a:r>
             <a:br/>
             <a:r>
@@ -1468,14 +1486,23 @@
                 <a:ea typeface="맑은 고딕"/>
                 <a:cs typeface="맑은 고딕"/>
               </a:rPr>
-              <a:t>01/30</a:t>
-            </a:r>
-          </a:p>
-        </p:txBody>
-      </p:sp>
-      <p:sp>
-        <p:nvSpPr>
-          <p:cNvPr id="821120739" name="Text">
+              <a:t>02/06</a:t>
+            </a:r>
+            <a:br/>
+            <a:r>
+              <a:rPr lang="ko" sz="900">
+                <a:latin typeface="맑은 고딕"/>
+                <a:ea typeface="맑은 고딕"/>
+                <a:cs typeface="맑은 고딕"/>
+              </a:rPr>
+              <a:t>02/07</a:t>
+            </a:r>
+          </a:p>
+        </p:txBody>
+      </p:sp>
+      <p:sp>
+        <p:nvSpPr>
+          <p:cNvPr id="1616150802" name="Text">
     </p:cNvPr>
           <p:cNvSpPr>
             <a:spLocks noGrp="1"/>
@@ -1527,7 +1554,7 @@
       </p:sp>
       <p:sp>
         <p:nvSpPr>
-          <p:cNvPr id="762973601" name="Text">
+          <p:cNvPr id="1077273279" name="Text">
     </p:cNvPr>
           <p:cNvSpPr>
             <a:spLocks noGrp="1"/>
@@ -1537,7 +1564,7 @@
         <p:spPr>
           <a:xfrm rot="0">
             <a:off x="1181100" y="2260600"/>
-            <a:ext cx="4572000" cy="812800"/>
+            <a:ext cx="4572000" cy="1054100"/>
           </a:xfrm>
           <a:prstGeom prst="rect">
             <a:avLst/>
@@ -1572,7 +1599,7 @@
                 <a:ea typeface="맑은 고딕"/>
                 <a:cs typeface="맑은 고딕"/>
               </a:rPr>
-              <a:t> [e-Pro] 데이터 변경 업무</a:t>
+              <a:t>[e-Pro] 견적서 관련 OZ report 문제</a:t>
             </a:r>
             <a:br/>
             <a:r>
@@ -1581,14 +1608,59 @@
                 <a:ea typeface="맑은 고딕"/>
                 <a:cs typeface="맑은 고딕"/>
               </a:rPr>
-              <a:t> [e-Pro] 고도화 프로젝트 전환 작업</a:t>
-            </a:r>
-          </a:p>
-        </p:txBody>
-      </p:sp>
-      <p:sp>
-        <p:nvSpPr>
-          <p:cNvPr id="682992578" name="Text">
+              <a:t>(with 엠로 프로젝트팀)</a:t>
+            </a:r>
+            <a:br/>
+            <a:r>
+              <a:rPr lang="ko" sz="900">
+                <a:latin typeface="맑은 고딕"/>
+                <a:ea typeface="맑은 고딕"/>
+                <a:cs typeface="맑은 고딕"/>
+              </a:rPr>
+              <a:t>[e-Pro] 자체구매 로그인 오류</a:t>
+            </a:r>
+            <a:br/>
+            <a:r>
+              <a:rPr lang="ko" sz="900">
+                <a:latin typeface="맑은 고딕"/>
+                <a:ea typeface="맑은 고딕"/>
+                <a:cs typeface="맑은 고딕"/>
+              </a:rPr>
+              <a:t>(with 엠로 프로젝트팀)</a:t>
+            </a:r>
+            <a:br/>
+            <a:r>
+              <a:rPr lang="ko" sz="900">
+                <a:latin typeface="맑은 고딕"/>
+                <a:ea typeface="맑은 고딕"/>
+                <a:cs typeface="맑은 고딕"/>
+              </a:rPr>
+              <a:t>[RMS] 1차 테스트</a:t>
+            </a:r>
+            <a:br/>
+            <a:r>
+              <a:rPr lang="ko" sz="900">
+                <a:latin typeface="맑은 고딕"/>
+                <a:ea typeface="맑은 고딕"/>
+                <a:cs typeface="맑은 고딕"/>
+              </a:rPr>
+              <a:t>    (피드백 수렴 / 에러 처리)</a:t>
+            </a:r>
+            <a:br/>
+            <a:r>
+              <a:rPr lang="ko" sz="900">
+                <a:latin typeface="맑은 고딕"/>
+                <a:ea typeface="맑은 고딕"/>
+                <a:cs typeface="맑은 고딕"/>
+              </a:rPr>
+              <a:t>    1. 기능 안정화, 2. 계승 기능 추가</a:t>
+            </a:r>
+          </a:p>
+        </p:txBody>
+      </p:sp>
+      <p:sp>
+        <p:nvSpPr>
+          <p:cNvPr id="1607497606" name="Text">
     </p:cNvPr>
           <p:cNvSpPr>
             <a:spLocks noGrp="1"/>
@@ -1632,7 +1704,7 @@
       </p:sp>
       <p:sp>
         <p:nvSpPr>
-          <p:cNvPr id="2059673454" name="Text">
+          <p:cNvPr id="784284554" name="Text">
     </p:cNvPr>
           <p:cNvSpPr>
             <a:spLocks noGrp="1"/>
@@ -1684,7 +1756,7 @@
       </p:sp>
       <p:sp>
         <p:nvSpPr>
-          <p:cNvPr id="1081655427" name="Text">
+          <p:cNvPr id="1780970334" name="Text">
     </p:cNvPr>
           <p:cNvSpPr>
             <a:spLocks noGrp="1"/>
@@ -1729,23 +1801,34 @@
                 <a:ea typeface="맑은 고딕"/>
                 <a:cs typeface="맑은 고딕"/>
               </a:rPr>
-              <a:t>01/27</a:t>
+              <a:t>02/09</a:t>
             </a:r>
             <a:br/>
+            <a:br/>
             <a:r>
               <a:rPr lang="ko" sz="900">
                 <a:latin typeface="맑은 고딕"/>
                 <a:ea typeface="맑은 고딕"/>
                 <a:cs typeface="맑은 고딕"/>
               </a:rPr>
-              <a:t>01/29</a:t>
-            </a:r>
-          </a:p>
-        </p:txBody>
-      </p:sp>
-      <p:sp>
-        <p:nvSpPr>
-          <p:cNvPr id="1033034280" name="Text">
+              <a:t>02/08</a:t>
+            </a:r>
+            <a:br/>
+            <a:br/>
+            <a:r>
+              <a:rPr lang="ko" sz="900">
+                <a:latin typeface="맑은 고딕"/>
+                <a:ea typeface="맑은 고딕"/>
+                <a:cs typeface="맑은 고딕"/>
+              </a:rPr>
+              <a:t>02/06</a:t>
+            </a:r>
+          </a:p>
+        </p:txBody>
+      </p:sp>
+      <p:sp>
+        <p:nvSpPr>
+          <p:cNvPr id="99112127" name="Text">
     </p:cNvPr>
           <p:cNvSpPr>
             <a:spLocks noGrp="1"/>
@@ -1789,7 +1872,7 @@
       </p:sp>
       <p:sp>
         <p:nvSpPr>
-          <p:cNvPr id="951899627" name="Text">
+          <p:cNvPr id="1498972099" name="Text">
     </p:cNvPr>
           <p:cNvSpPr>
             <a:spLocks noGrp="1"/>
@@ -1834,23 +1917,24 @@
                 <a:ea typeface="맑은 고딕"/>
                 <a:cs typeface="맑은 고딕"/>
               </a:rPr>
-              <a:t>03/31</a:t>
+              <a:t>02/07</a:t>
             </a:r>
             <a:br/>
+            <a:br/>
             <a:r>
               <a:rPr lang="ko" sz="900">
                 <a:latin typeface="맑은 고딕"/>
                 <a:ea typeface="맑은 고딕"/>
                 <a:cs typeface="맑은 고딕"/>
               </a:rPr>
-              <a:t>[보류]</a:t>
-            </a:r>
-          </a:p>
-        </p:txBody>
-      </p:sp>
-      <p:sp>
-        <p:nvSpPr>
-          <p:cNvPr id="1658422013" name="Text">
+              <a:t>02/17</a:t>
+            </a:r>
+          </a:p>
+        </p:txBody>
+      </p:sp>
+      <p:sp>
+        <p:nvSpPr>
+          <p:cNvPr id="250375177" name="Text">
     </p:cNvPr>
           <p:cNvSpPr>
             <a:spLocks noGrp="1"/>
@@ -1895,7 +1979,7 @@
                 <a:ea typeface="맑은 고딕"/>
                 <a:cs typeface="맑은 고딕"/>
               </a:rPr>
-              <a:t>  [e-Pro] 고도화 프로젝트 관련 업무</a:t>
+              <a:t>[RMS] 피드백)시스템 기능 추가 및 보완</a:t>
             </a:r>
             <a:br/>
             <a:r>
@@ -1904,14 +1988,23 @@
                 <a:ea typeface="맑은 고딕"/>
                 <a:cs typeface="맑은 고딕"/>
               </a:rPr>
-              <a:t> [e-Pro] RODA 개정에 따른 입찰/구매품의서 자동결재선 수정</a:t>
-            </a:r>
-          </a:p>
-        </p:txBody>
-      </p:sp>
-      <p:sp>
-        <p:nvSpPr>
-          <p:cNvPr id="1680026365" name="Text">
+              <a:t>     3. 조회 및 작성(데이터 개별화)</a:t>
+            </a:r>
+            <a:br/>
+            <a:r>
+              <a:rPr lang="ko" sz="900">
+                <a:latin typeface="맑은 고딕"/>
+                <a:ea typeface="맑은 고딕"/>
+                <a:cs typeface="맑은 고딕"/>
+              </a:rPr>
+              <a:t>[RMS] 기능 문의 및 피드백 처리</a:t>
+            </a:r>
+          </a:p>
+        </p:txBody>
+      </p:sp>
+      <p:sp>
+        <p:nvSpPr>
+          <p:cNvPr id="1602245385" name="Text">
     </p:cNvPr>
           <p:cNvSpPr>
             <a:spLocks noGrp="1"/>
@@ -1963,7 +2056,7 @@
       </p:sp>
       <p:sp>
         <p:nvSpPr>
-          <p:cNvPr id="1330376651" name="Rectangle"/>
+          <p:cNvPr id="411740650" name="Rectangle"/>
           <p:cNvSpPr>
             <a:spLocks noGrp="1"/>
           </p:cNvSpPr>
@@ -1978,7 +2071,7 @@
             <a:avLst/>
           </a:prstGeom>
           <a:solidFill>
-            <a:srgbClr val="00FF00"/>
+            <a:srgbClr val="FFFF00"/>
           </a:solidFill>
           <a:ln w="12700">
             <a:solidFill>
@@ -1997,7 +2090,7 @@
       </p:sp>
       <p:sp>
         <p:nvSpPr>
-          <p:cNvPr id="294021188" name="Rectangle"/>
+          <p:cNvPr id="37124959" name="Rectangle"/>
           <p:cNvSpPr>
             <a:spLocks noGrp="1"/>
           </p:cNvSpPr>
@@ -2031,7 +2124,7 @@
       </p:sp>
       <p:sp>
         <p:nvSpPr>
-          <p:cNvPr id="1072090851" name="Text">
+          <p:cNvPr id="1876411188" name="Text">
     </p:cNvPr>
           <p:cNvSpPr>
             <a:spLocks noGrp="1"/>
@@ -2080,7 +2173,7 @@
       </p:sp>
       <p:sp>
         <p:nvSpPr>
-          <p:cNvPr id="1114599200" name="Text">
+          <p:cNvPr id="840097244" name="Text">
     </p:cNvPr>
           <p:cNvSpPr>
             <a:spLocks noGrp="1"/>
@@ -2132,7 +2225,7 @@
       </p:sp>
       <p:sp>
         <p:nvSpPr>
-          <p:cNvPr id="1389028625" name="Text">
+          <p:cNvPr id="2132469645" name="Text">
     </p:cNvPr>
           <p:cNvSpPr>
             <a:spLocks noGrp="1"/>
@@ -2184,7 +2277,7 @@
       </p:sp>
       <p:sp>
         <p:nvSpPr>
-          <p:cNvPr id="1881961284" name="Text">
+          <p:cNvPr id="1321703346" name="Text">
     </p:cNvPr>
           <p:cNvSpPr>
             <a:spLocks noGrp="1"/>
@@ -2236,7 +2329,7 @@
       </p:sp>
       <p:sp>
         <p:nvSpPr>
-          <p:cNvPr id="2033461876" name="Text">
+          <p:cNvPr id="525869885" name="Text">
     </p:cNvPr>
           <p:cNvSpPr>
             <a:spLocks noGrp="1"/>
@@ -2291,7 +2384,7 @@
       </p:sp>
       <p:sp>
         <p:nvSpPr>
-          <p:cNvPr id="1075534877" name="Text">
+          <p:cNvPr id="989917495" name="Text">
     </p:cNvPr>
           <p:cNvSpPr>
             <a:spLocks noGrp="1"/>
@@ -2346,7 +2439,7 @@
       </p:sp>
       <p:sp>
         <p:nvSpPr>
-          <p:cNvPr id="1165810530" name="Text">
+          <p:cNvPr id="319709013" name="Text">
     </p:cNvPr>
           <p:cNvSpPr>
             <a:spLocks noGrp="1"/>
@@ -2401,7 +2494,7 @@
       </p:sp>
       <p:sp>
         <p:nvSpPr>
-          <p:cNvPr id="1448683226" name="Text">
+          <p:cNvPr id="1636180097" name="Text">
     </p:cNvPr>
           <p:cNvSpPr>
             <a:spLocks noGrp="1"/>
@@ -2453,7 +2546,7 @@
       </p:sp>
       <p:sp>
         <p:nvSpPr>
-          <p:cNvPr id="250003951" name="Text">
+          <p:cNvPr id="1067038279" name="Text">
     </p:cNvPr>
           <p:cNvSpPr>
             <a:spLocks noGrp="1"/>
@@ -2505,7 +2598,7 @@
       </p:sp>
       <p:sp>
         <p:nvSpPr>
-          <p:cNvPr id="344432538" name="Text">
+          <p:cNvPr id="53240266" name="Text">
     </p:cNvPr>
           <p:cNvSpPr>
             <a:spLocks noGrp="1"/>
@@ -2557,7 +2650,7 @@
       </p:sp>
       <p:sp>
         <p:nvSpPr>
-          <p:cNvPr id="923005347" name="Text">
+          <p:cNvPr id="1656320525" name="Text">
     </p:cNvPr>
           <p:cNvSpPr>
             <a:spLocks noGrp="1"/>
@@ -2609,7 +2702,7 @@
       </p:sp>
       <p:sp>
         <p:nvSpPr>
-          <p:cNvPr id="687042159" name="Text">
+          <p:cNvPr id="854312179" name="Text">
     </p:cNvPr>
           <p:cNvSpPr>
             <a:spLocks noGrp="1"/>
@@ -2661,7 +2754,7 @@
       </p:sp>
       <p:sp>
         <p:nvSpPr>
-          <p:cNvPr id="279063335" name="Text">
+          <p:cNvPr id="1085433703" name="Text">
     </p:cNvPr>
           <p:cNvSpPr>
             <a:spLocks noGrp="1"/>
@@ -2716,7 +2809,7 @@
       </p:sp>
       <p:sp>
         <p:nvSpPr>
-          <p:cNvPr id="955325926" name="Text">
+          <p:cNvPr id="544242826" name="Text">
     </p:cNvPr>
           <p:cNvSpPr>
             <a:spLocks noGrp="1"/>
@@ -2768,7 +2861,7 @@
       </p:sp>
       <p:sp>
         <p:nvSpPr>
-          <p:cNvPr id="274169266" name="Text">
+          <p:cNvPr id="158358419" name="Text">
     </p:cNvPr>
           <p:cNvSpPr>
             <a:spLocks noGrp="1"/>
@@ -2823,7 +2916,7 @@
       </p:sp>
       <p:sp>
         <p:nvSpPr>
-          <p:cNvPr id="602204609" name="Text">
+          <p:cNvPr id="1708186130" name="Text">
     </p:cNvPr>
           <p:cNvSpPr>
             <a:spLocks noGrp="1"/>
@@ -2875,7 +2968,7 @@
       </p:sp>
       <p:sp>
         <p:nvSpPr>
-          <p:cNvPr id="572392841" name="Text">
+          <p:cNvPr id="915017872" name="Text">
     </p:cNvPr>
           <p:cNvSpPr>
             <a:spLocks noGrp="1"/>
@@ -2921,7 +3014,7 @@
       </p:sp>
       <p:pic>
         <p:nvPicPr>
-          <p:cNvPr id="1877951353" name="Picture">
+          <p:cNvPr id="462494500" name="Picture">
     </p:cNvPr>
           <p:cNvPicPr>
             <a:picLocks noChangeAspect="1"/>

--- a/src/main/webapp/WEB-INF/Files/요약본_sample.pptx
+++ b/src/main/webapp/WEB-INF/Files/요약본_sample.pptx
@@ -7,7 +7,7 @@
   <p:sldIdLst>
     <p:sldId id="2561" r:id="rId1"/>
   </p:sldIdLst>
-  <p:sldSz cx="10680700" cy="7556500" type="custom"/>
+  <p:sldSz cx="10160000" cy="7556500" type="custom"/>
   <p:notesSz cx="6858000" cy="9144000"/>
   <p:embeddedFontLst>
 </p:embeddedFontLst>
@@ -84,7 +84,7 @@
       </p:grpSpPr>
       <p:sp>
         <p:nvSpPr>
-          <p:cNvPr id="1758397387" name="Text">
+          <p:cNvPr id="618110832" name="Text">
     </p:cNvPr>
           <p:cNvSpPr>
             <a:spLocks noGrp="1"/>
@@ -108,17 +108,17 @@
               <a:lnSpc>
                 <a:spcPct val="100%"/>
               </a:lnSpc>
-              <a:defRPr sz="1800" b="1">
-                <a:solidFill>
-                  <a:srgbClr val="000000"/>
-                </a:solidFill>
-                <a:latin typeface="맑은 고딕"/>
-                <a:ea typeface="맑은 고딕"/>
-                <a:cs typeface="맑은 고딕"/>
-              </a:defRPr>
-            </a:pPr>
-            <a:r>
-              <a:rPr lang="ko" sz="1800" b="1">
+              <a:defRPr sz="1570" b="1">
+                <a:solidFill>
+                  <a:srgbClr val="000000"/>
+                </a:solidFill>
+                <a:latin typeface="맑은 고딕"/>
+                <a:ea typeface="맑은 고딕"/>
+                <a:cs typeface="맑은 고딕"/>
+              </a:defRPr>
+            </a:pPr>
+            <a:r>
+              <a:rPr lang="ko" sz="1570" b="1">
                 <a:latin typeface="맑은 고딕"/>
                 <a:ea typeface="맑은 고딕"/>
                 <a:cs typeface="맑은 고딕"/>
@@ -130,7 +130,71 @@
       </p:sp>
       <p:sp>
         <p:nvSpPr>
-          <p:cNvPr id="1608908257" name="Line"/>
+          <p:cNvPr id="937408432" name="Text">
+    </p:cNvPr>
+          <p:cNvSpPr>
+            <a:spLocks noGrp="1"/>
+          </p:cNvSpPr>
+          <p:nvPr/>
+        </p:nvSpPr>
+        <p:spPr>
+          <a:xfrm rot="0">
+            <a:off x="9017000" y="292100"/>
+            <a:ext cx="762000" cy="508000"/>
+          </a:xfrm>
+          <a:prstGeom prst="rect">
+            <a:avLst/>
+          </a:prstGeom>
+        </p:spPr>
+        <p:txBody>
+          <a:bodyPr wrap="square" lIns="0" tIns="0" rIns="0" bIns="0" rtlCol="0" anchor="t"/>
+          <a:lstStyle/>
+          <a:p>
+            <a:pPr algn="l">
+              <a:lnSpc>
+                <a:spcPct val="100%"/>
+              </a:lnSpc>
+              <a:defRPr sz="800">
+                <a:solidFill>
+                  <a:srgbClr val="000000"/>
+                </a:solidFill>
+                <a:latin typeface="맑은 고딕"/>
+                <a:ea typeface="맑은 고딕"/>
+                <a:cs typeface="맑은 고딕"/>
+              </a:defRPr>
+            </a:pPr>
+            <a:r>
+              <a:rPr lang="ko" sz="800">
+                <a:latin typeface="맑은 고딕"/>
+                <a:ea typeface="맑은 고딕"/>
+                <a:cs typeface="맑은 고딕"/>
+              </a:rPr>
+              <a:t>: 완료</a:t>
+            </a:r>
+            <a:br/>
+            <a:r>
+              <a:rPr lang="ko" sz="800">
+                <a:latin typeface="맑은 고딕"/>
+                <a:ea typeface="맑은 고딕"/>
+                <a:cs typeface="맑은 고딕"/>
+              </a:rPr>
+              <a:t>:진행중</a:t>
+            </a:r>
+            <a:br/>
+            <a:r>
+              <a:rPr lang="ko" sz="800">
+                <a:latin typeface="맑은 고딕"/>
+                <a:ea typeface="맑은 고딕"/>
+                <a:cs typeface="맑은 고딕"/>
+              </a:rPr>
+              <a:t>:미완료(문제)</a:t>
+            </a:r>
+          </a:p>
+        </p:txBody>
+      </p:sp>
+      <p:sp>
+        <p:nvSpPr>
+          <p:cNvPr id="553952330" name="Rectangle"/>
           <p:cNvSpPr>
             <a:spLocks noGrp="1"/>
           </p:cNvSpPr>
@@ -138,105 +202,7 @@
         </p:nvSpPr>
         <p:spPr>
           <a:xfrm>
-            <a:off x="127000" y="762000"/>
-            <a:ext cx="10287000" cy="0"/>
-          </a:xfrm>
-          <a:prstGeom prst="line">
-            <a:avLst/>
-          </a:prstGeom>
-          <a:solidFill>
-            <a:srgbClr val="FFFFFF"/>
-          </a:solidFill>
-          <a:ln w="12700">
-            <a:solidFill>
-              <a:srgbClr val="000000"/>
-            </a:solidFill>
-            <a:prstDash val="solid"/>
-          </a:ln>
-        </p:spPr>
-        <p:txBody>
-          <a:bodyPr rtlCol="0" anchor="ctr"/>
-          <a:lstStyle/>
-          <a:p>
-            <a:pPr algn="ctr"/>
-          </a:p>
-        </p:txBody>
-      </p:sp>
-      <p:sp>
-        <p:nvSpPr>
-          <p:cNvPr id="699778789" name="Text">
-    </p:cNvPr>
-          <p:cNvSpPr>
-            <a:spLocks noGrp="1"/>
-          </p:cNvSpPr>
-          <p:nvPr/>
-        </p:nvSpPr>
-        <p:spPr>
-          <a:xfrm rot="0">
-            <a:off x="9652000" y="292100"/>
-            <a:ext cx="762000" cy="508000"/>
-          </a:xfrm>
-          <a:prstGeom prst="rect">
-            <a:avLst/>
-          </a:prstGeom>
-        </p:spPr>
-        <p:txBody>
-          <a:bodyPr wrap="square" lIns="0" tIns="0" rIns="0" bIns="0" rtlCol="0" anchor="t"/>
-          <a:lstStyle/>
-          <a:p>
-            <a:pPr algn="l">
-              <a:lnSpc>
-                <a:spcPct val="100%"/>
-              </a:lnSpc>
-              <a:defRPr sz="800">
-                <a:solidFill>
-                  <a:srgbClr val="000000"/>
-                </a:solidFill>
-                <a:latin typeface="맑은 고딕"/>
-                <a:ea typeface="맑은 고딕"/>
-                <a:cs typeface="맑은 고딕"/>
-              </a:defRPr>
-            </a:pPr>
-            <a:r>
-              <a:rPr lang="ko" sz="800">
-                <a:latin typeface="맑은 고딕"/>
-                <a:ea typeface="맑은 고딕"/>
-                <a:cs typeface="맑은 고딕"/>
-              </a:rPr>
-              <a:t>: 완료</a:t>
-            </a:r>
-            <a:br/>
-            <a:r>
-              <a:rPr lang="ko" sz="800">
-                <a:latin typeface="맑은 고딕"/>
-                <a:ea typeface="맑은 고딕"/>
-                <a:cs typeface="맑은 고딕"/>
-              </a:rPr>
-              <a:t>:진행중</a:t>
-            </a:r>
-            <a:br/>
-            <a:r>
-              <a:rPr lang="ko" sz="800">
-                <a:latin typeface="맑은 고딕"/>
-                <a:ea typeface="맑은 고딕"/>
-                <a:cs typeface="맑은 고딕"/>
-              </a:rPr>
-              <a:t>:미완료(문제)</a:t>
-            </a:r>
-          </a:p>
-        </p:txBody>
-      </p:sp>
-      <p:sp>
-        <p:nvSpPr>
-          <p:cNvPr id="1709155658" name="Rectangle"/>
-          <p:cNvSpPr>
-            <a:spLocks noGrp="1"/>
-          </p:cNvSpPr>
-          <p:nvPr/>
-        </p:nvSpPr>
-        <p:spPr>
-          <a:xfrm>
-            <a:off x="9271000" y="266700"/>
+            <a:off x="8636000" y="266700"/>
             <a:ext cx="266700" cy="139700"/>
           </a:xfrm>
           <a:prstGeom prst="rect">
@@ -262,7 +228,7 @@
       </p:sp>
       <p:sp>
         <p:nvSpPr>
-          <p:cNvPr id="1964909409" name="Rectangle"/>
+          <p:cNvPr id="2066413818" name="Rectangle"/>
           <p:cNvSpPr>
             <a:spLocks noGrp="1"/>
           </p:cNvSpPr>
@@ -270,7 +236,7 @@
         </p:nvSpPr>
         <p:spPr>
           <a:xfrm>
-            <a:off x="9271000" y="419100"/>
+            <a:off x="8636000" y="419100"/>
             <a:ext cx="266700" cy="139700"/>
           </a:xfrm>
           <a:prstGeom prst="rect">
@@ -296,7 +262,7 @@
       </p:sp>
       <p:sp>
         <p:nvSpPr>
-          <p:cNvPr id="90493654" name="Rectangle"/>
+          <p:cNvPr id="1671349488" name="Rectangle"/>
           <p:cNvSpPr>
             <a:spLocks noGrp="1"/>
           </p:cNvSpPr>
@@ -304,7 +270,7 @@
         </p:nvSpPr>
         <p:spPr>
           <a:xfrm>
-            <a:off x="9271000" y="571500"/>
+            <a:off x="8636000" y="571500"/>
             <a:ext cx="266700" cy="139700"/>
           </a:xfrm>
           <a:prstGeom prst="rect">
@@ -330,27 +296,119 @@
       </p:sp>
       <p:sp>
         <p:nvSpPr>
-          <p:cNvPr id="39960177" name="Text">
-    </p:cNvPr>
-          <p:cNvSpPr>
-            <a:spLocks noGrp="1"/>
-          </p:cNvSpPr>
-          <p:nvPr/>
-        </p:nvSpPr>
-        <p:spPr>
-          <a:xfrm rot="0">
-            <a:off x="6553200" y="3771900"/>
-            <a:ext cx="3670300" cy="800100"/>
-          </a:xfrm>
-          <a:prstGeom prst="rect">
-            <a:avLst/>
-          </a:prstGeom>
-          <a:ln w="12700">
-            <a:solidFill>
-              <a:srgbClr val="000000"/>
-            </a:solidFill>
-            <a:prstDash val="solid"/>
-          </a:ln>
+          <p:cNvPr id="691440900" name="Text">
+    </p:cNvPr>
+          <p:cNvSpPr>
+            <a:spLocks noGrp="1"/>
+          </p:cNvSpPr>
+          <p:nvPr/>
+        </p:nvSpPr>
+        <p:spPr>
+          <a:xfrm rot="0">
+            <a:off x="190500" y="3213100"/>
+            <a:ext cx="2108200" cy="215900"/>
+          </a:xfrm>
+          <a:prstGeom prst="rect">
+            <a:avLst/>
+          </a:prstGeom>
+          <a:solidFill>
+            <a:srgbClr val="919191"/>
+          </a:solidFill>
+        </p:spPr>
+        <p:txBody>
+          <a:bodyPr wrap="square" lIns="0" tIns="0" rIns="0" bIns="0" rtlCol="0" anchor="ctr"/>
+          <a:lstStyle/>
+          <a:p>
+            <a:pPr algn="l">
+              <a:lnSpc>
+                <a:spcPct val="100%"/>
+              </a:lnSpc>
+              <a:defRPr sz="1000" b="1">
+                <a:solidFill>
+                  <a:srgbClr val="000000"/>
+                </a:solidFill>
+                <a:latin typeface="맑은 고딕"/>
+                <a:ea typeface="맑은 고딕"/>
+                <a:cs typeface="맑은 고딕"/>
+              </a:defRPr>
+            </a:pPr>
+            <a:r>
+              <a:rPr lang="ko" sz="1000" b="1">
+                <a:latin typeface="맑은 고딕"/>
+                <a:ea typeface="맑은 고딕"/>
+                <a:cs typeface="맑은 고딕"/>
+              </a:rPr>
+              <a:t>" "</a:t>
+            </a:r>
+          </a:p>
+        </p:txBody>
+      </p:sp>
+      <p:sp>
+        <p:nvSpPr>
+          <p:cNvPr id="756308636" name="Text">
+    </p:cNvPr>
+          <p:cNvSpPr>
+            <a:spLocks noGrp="1"/>
+          </p:cNvSpPr>
+          <p:nvPr/>
+        </p:nvSpPr>
+        <p:spPr>
+          <a:xfrm rot="0">
+            <a:off x="190500" y="863600"/>
+            <a:ext cx="2108200" cy="215900"/>
+          </a:xfrm>
+          <a:prstGeom prst="rect">
+            <a:avLst/>
+          </a:prstGeom>
+          <a:solidFill>
+            <a:srgbClr val="919191"/>
+          </a:solidFill>
+        </p:spPr>
+        <p:txBody>
+          <a:bodyPr wrap="square" lIns="0" tIns="0" rIns="0" bIns="0" rtlCol="0" anchor="ctr"/>
+          <a:lstStyle/>
+          <a:p>
+            <a:pPr algn="l">
+              <a:lnSpc>
+                <a:spcPct val="100%"/>
+              </a:lnSpc>
+              <a:defRPr sz="1000" b="1">
+                <a:solidFill>
+                  <a:srgbClr val="000000"/>
+                </a:solidFill>
+                <a:latin typeface="맑은 고딕"/>
+                <a:ea typeface="맑은 고딕"/>
+                <a:cs typeface="맑은 고딕"/>
+              </a:defRPr>
+            </a:pPr>
+            <a:r>
+              <a:rPr lang="ko" sz="1000" b="1">
+                <a:latin typeface="맑은 고딕"/>
+                <a:ea typeface="맑은 고딕"/>
+                <a:cs typeface="맑은 고딕"/>
+              </a:rPr>
+              <a:t>" "</a:t>
+            </a:r>
+          </a:p>
+        </p:txBody>
+      </p:sp>
+      <p:sp>
+        <p:nvSpPr>
+          <p:cNvPr id="30776044" name="Text">
+    </p:cNvPr>
+          <p:cNvSpPr>
+            <a:spLocks noGrp="1"/>
+          </p:cNvSpPr>
+          <p:nvPr/>
+        </p:nvSpPr>
+        <p:spPr>
+          <a:xfrm rot="0">
+            <a:off x="6489700" y="3860800"/>
+            <a:ext cx="3505200" cy="711200"/>
+          </a:xfrm>
+          <a:prstGeom prst="rect">
+            <a:avLst/>
+          </a:prstGeom>
         </p:spPr>
         <p:txBody>
           <a:bodyPr wrap="square" lIns="0" tIns="0" rIns="0" bIns="0" rtlCol="0" anchor="t"/>
@@ -374,27 +432,21 @@
       </p:sp>
       <p:sp>
         <p:nvSpPr>
-          <p:cNvPr id="437038722" name="Text">
-    </p:cNvPr>
-          <p:cNvSpPr>
-            <a:spLocks noGrp="1"/>
-          </p:cNvSpPr>
-          <p:nvPr/>
-        </p:nvSpPr>
-        <p:spPr>
-          <a:xfrm rot="0">
-            <a:off x="5753100" y="3771900"/>
-            <a:ext cx="800100" cy="800100"/>
-          </a:xfrm>
-          <a:prstGeom prst="rect">
-            <a:avLst/>
-          </a:prstGeom>
-          <a:ln w="12700">
-            <a:solidFill>
-              <a:srgbClr val="000000"/>
-            </a:solidFill>
-            <a:prstDash val="solid"/>
-          </a:ln>
+          <p:cNvPr id="343500642" name="Text">
+    </p:cNvPr>
+          <p:cNvSpPr>
+            <a:spLocks noGrp="1"/>
+          </p:cNvSpPr>
+          <p:nvPr/>
+        </p:nvSpPr>
+        <p:spPr>
+          <a:xfrm rot="0">
+            <a:off x="5549900" y="3860800"/>
+            <a:ext cx="800100" cy="749300"/>
+          </a:xfrm>
+          <a:prstGeom prst="rect">
+            <a:avLst/>
+          </a:prstGeom>
         </p:spPr>
         <p:txBody>
           <a:bodyPr wrap="square" lIns="0" tIns="0" rIns="0" bIns="0" rtlCol="0" anchor="t"/>
@@ -419,43 +471,56 @@
                 <a:ea typeface="맑은 고딕"/>
                 <a:cs typeface="맑은 고딕"/>
               </a:rPr>
-              <a:t>02/13</a:t>
+              <a:t>02/24</a:t>
             </a:r>
             <a:br/>
-            <a:r>
-              <a:rPr lang="ko" sz="900">
-                <a:latin typeface="맑은 고딕"/>
-                <a:ea typeface="맑은 고딕"/>
-                <a:cs typeface="맑은 고딕"/>
-              </a:rPr>
-              <a:t>02/13</a:t>
-            </a:r>
-          </a:p>
-        </p:txBody>
-      </p:sp>
-      <p:sp>
-        <p:nvSpPr>
-          <p:cNvPr id="512590729" name="Text">
-    </p:cNvPr>
-          <p:cNvSpPr>
-            <a:spLocks noGrp="1"/>
-          </p:cNvSpPr>
-          <p:nvPr/>
-        </p:nvSpPr>
-        <p:spPr>
-          <a:xfrm rot="0">
-            <a:off x="1181100" y="3771900"/>
-            <a:ext cx="4572000" cy="800100"/>
-          </a:xfrm>
-          <a:prstGeom prst="rect">
-            <a:avLst/>
-          </a:prstGeom>
-          <a:ln w="12700">
-            <a:solidFill>
-              <a:srgbClr val="000000"/>
-            </a:solidFill>
-            <a:prstDash val="solid"/>
-          </a:ln>
+            <a:br/>
+            <a:r>
+              <a:rPr lang="ko" sz="900">
+                <a:latin typeface="맑은 고딕"/>
+                <a:ea typeface="맑은 고딕"/>
+                <a:cs typeface="맑은 고딕"/>
+              </a:rPr>
+              <a:t>02/28</a:t>
+            </a:r>
+            <a:br/>
+            <a:r>
+              <a:rPr lang="ko" sz="900">
+                <a:latin typeface="맑은 고딕"/>
+                <a:ea typeface="맑은 고딕"/>
+                <a:cs typeface="맑은 고딕"/>
+              </a:rPr>
+              <a:t>03/31</a:t>
+            </a:r>
+            <a:br/>
+            <a:r>
+              <a:rPr lang="ko" sz="900">
+                <a:latin typeface="맑은 고딕"/>
+                <a:ea typeface="맑은 고딕"/>
+                <a:cs typeface="맑은 고딕"/>
+              </a:rPr>
+              <a:t>02/28</a:t>
+            </a:r>
+          </a:p>
+        </p:txBody>
+      </p:sp>
+      <p:sp>
+        <p:nvSpPr>
+          <p:cNvPr id="163223108" name="Text">
+    </p:cNvPr>
+          <p:cNvSpPr>
+            <a:spLocks noGrp="1"/>
+          </p:cNvSpPr>
+          <p:nvPr/>
+        </p:nvSpPr>
+        <p:spPr>
+          <a:xfrm rot="0">
+            <a:off x="1028700" y="3860800"/>
+            <a:ext cx="4521200" cy="749300"/>
+          </a:xfrm>
+          <a:prstGeom prst="rect">
+            <a:avLst/>
+          </a:prstGeom>
         </p:spPr>
         <p:txBody>
           <a:bodyPr wrap="square" lIns="0" tIns="0" rIns="0" bIns="0" rtlCol="0" anchor="t"/>
@@ -480,7 +545,7 @@
                 <a:ea typeface="맑은 고딕"/>
                 <a:cs typeface="맑은 고딕"/>
               </a:rPr>
-              <a:t>[BC] SAP 시스템 정기 모니터링</a:t>
+              <a:t>ME51N에서 예약 생성 없이 PR 발행 시 체크 로직 추가</a:t>
             </a:r>
             <a:br/>
             <a:r>
@@ -489,24 +554,51 @@
                 <a:ea typeface="맑은 고딕"/>
                 <a:cs typeface="맑은 고딕"/>
               </a:rPr>
-              <a:t>[BC] SAP 시스템 이관 / 변경</a:t>
-            </a:r>
-          </a:p>
-        </p:txBody>
-      </p:sp>
-      <p:sp>
-        <p:nvSpPr>
-          <p:cNvPr id="1029439724" name="Text">
-    </p:cNvPr>
-          <p:cNvSpPr>
-            <a:spLocks noGrp="1"/>
-          </p:cNvSpPr>
-          <p:nvPr/>
-        </p:nvSpPr>
-        <p:spPr>
-          <a:xfrm rot="0">
-            <a:off x="368300" y="3771900"/>
-            <a:ext cx="812800" cy="800100"/>
+              <a:t>* MRO자재 PR 발행 시 예약 유무 체크 로직 추가 </a:t>
+            </a:r>
+            <a:br/>
+            <a:r>
+              <a:rPr lang="ko" sz="900">
+                <a:latin typeface="맑은 고딕"/>
+                <a:ea typeface="맑은 고딕"/>
+                <a:cs typeface="맑은 고딕"/>
+              </a:rPr>
+              <a:t>회계 자동승인대상 e-Pro 전표 추출 프로그램 개발요청</a:t>
+            </a:r>
+            <a:br/>
+            <a:r>
+              <a:rPr lang="ko" sz="900">
+                <a:latin typeface="맑은 고딕"/>
+                <a:ea typeface="맑은 고딕"/>
+                <a:cs typeface="맑은 고딕"/>
+              </a:rPr>
+              <a:t>구매처/거래처 코드 관리 업무 개발</a:t>
+            </a:r>
+            <a:br/>
+            <a:r>
+              <a:rPr lang="ko" sz="900">
+                <a:latin typeface="맑은 고딕"/>
+                <a:ea typeface="맑은 고딕"/>
+                <a:cs typeface="맑은 고딕"/>
+              </a:rPr>
+              <a:t>장기 미거래 거래처 자동 오더보류시 연결 가상계좌 자동삭제 요청 ( ZSDR1091 )</a:t>
+            </a:r>
+          </a:p>
+        </p:txBody>
+      </p:sp>
+      <p:sp>
+        <p:nvSpPr>
+          <p:cNvPr id="116784469" name="Text">
+    </p:cNvPr>
+          <p:cNvSpPr>
+            <a:spLocks noGrp="1"/>
+          </p:cNvSpPr>
+          <p:nvPr/>
+        </p:nvSpPr>
+        <p:spPr>
+          <a:xfrm rot="0">
+            <a:off x="165100" y="3771900"/>
+            <a:ext cx="736600" cy="800100"/>
           </a:xfrm>
           <a:prstGeom prst="rect">
             <a:avLst/>
@@ -526,17 +618,17 @@
               <a:lnSpc>
                 <a:spcPct val="100%"/>
               </a:lnSpc>
-              <a:defRPr sz="1100">
-                <a:solidFill>
-                  <a:srgbClr val="000000"/>
-                </a:solidFill>
-                <a:latin typeface="맑은 고딕"/>
-                <a:ea typeface="맑은 고딕"/>
-                <a:cs typeface="맑은 고딕"/>
-              </a:defRPr>
-            </a:pPr>
-            <a:r>
-              <a:rPr lang="ko" sz="1100">
+              <a:defRPr sz="1000">
+                <a:solidFill>
+                  <a:srgbClr val="000000"/>
+                </a:solidFill>
+                <a:latin typeface="맑은 고딕"/>
+                <a:ea typeface="맑은 고딕"/>
+                <a:cs typeface="맑은 고딕"/>
+              </a:defRPr>
+            </a:pPr>
+            <a:r>
+              <a:rPr lang="ko" sz="1000">
                 <a:latin typeface="맑은 고딕"/>
                 <a:ea typeface="맑은 고딕"/>
                 <a:cs typeface="맑은 고딕"/>
@@ -548,244 +640,17 @@
       </p:sp>
       <p:sp>
         <p:nvSpPr>
-          <p:cNvPr id="843166464" name="Text">
-    </p:cNvPr>
-          <p:cNvSpPr>
-            <a:spLocks noGrp="1"/>
-          </p:cNvSpPr>
-          <p:nvPr/>
-        </p:nvSpPr>
-        <p:spPr>
-          <a:xfrm rot="0">
-            <a:off x="368300" y="1473200"/>
-            <a:ext cx="812800" cy="787400"/>
-          </a:xfrm>
-          <a:prstGeom prst="rect">
-            <a:avLst/>
-          </a:prstGeom>
-          <a:ln w="12700">
-            <a:solidFill>
-              <a:srgbClr val="000000"/>
-            </a:solidFill>
-            <a:prstDash val="solid"/>
-          </a:ln>
-        </p:spPr>
-        <p:txBody>
-          <a:bodyPr wrap="square" lIns="0" tIns="0" rIns="0" bIns="0" rtlCol="0" anchor="ctr"/>
-          <a:lstStyle/>
-          <a:p>
-            <a:pPr algn="ctr">
-              <a:lnSpc>
-                <a:spcPct val="100%"/>
-              </a:lnSpc>
-              <a:defRPr sz="1100">
-                <a:solidFill>
-                  <a:srgbClr val="000000"/>
-                </a:solidFill>
-                <a:latin typeface="맑은 고딕"/>
-                <a:ea typeface="맑은 고딕"/>
-                <a:cs typeface="맑은 고딕"/>
-              </a:defRPr>
-            </a:pPr>
-            <a:r>
-              <a:rPr lang="ko" sz="1100">
-                <a:latin typeface="맑은 고딕"/>
-                <a:ea typeface="맑은 고딕"/>
-                <a:cs typeface="맑은 고딕"/>
-              </a:rPr>
-              <a:t>ERP</a:t>
-            </a:r>
-          </a:p>
-        </p:txBody>
-      </p:sp>
-      <p:sp>
-        <p:nvSpPr>
-          <p:cNvPr id="1296462708" name="Text">
-    </p:cNvPr>
-          <p:cNvSpPr>
-            <a:spLocks noGrp="1"/>
-          </p:cNvSpPr>
-          <p:nvPr/>
-        </p:nvSpPr>
-        <p:spPr>
-          <a:xfrm rot="0">
-            <a:off x="1181100" y="1473200"/>
-            <a:ext cx="4572000" cy="787400"/>
-          </a:xfrm>
-          <a:prstGeom prst="rect">
-            <a:avLst/>
-          </a:prstGeom>
-          <a:ln w="12700">
-            <a:solidFill>
-              <a:srgbClr val="000000"/>
-            </a:solidFill>
-            <a:prstDash val="solid"/>
-          </a:ln>
-        </p:spPr>
-        <p:txBody>
-          <a:bodyPr wrap="square" lIns="0" tIns="0" rIns="0" bIns="0" rtlCol="0" anchor="t"/>
-          <a:lstStyle/>
-          <a:p>
-            <a:pPr algn="l">
-              <a:lnSpc>
-                <a:spcPct val="100%"/>
-              </a:lnSpc>
-              <a:defRPr sz="900">
-                <a:solidFill>
-                  <a:srgbClr val="000000"/>
-                </a:solidFill>
-                <a:latin typeface="맑은 고딕"/>
-                <a:ea typeface="맑은 고딕"/>
-                <a:cs typeface="맑은 고딕"/>
-              </a:defRPr>
-            </a:pPr>
-            <a:r>
-              <a:rPr lang="ko" sz="900">
-                <a:latin typeface="맑은 고딕"/>
-                <a:ea typeface="맑은 고딕"/>
-                <a:cs typeface="맑은 고딕"/>
-              </a:rPr>
-              <a:t>[BC] SAP 시스템 정기 모니터링</a:t>
-            </a:r>
-            <a:br/>
-            <a:r>
-              <a:rPr lang="ko" sz="900">
-                <a:latin typeface="맑은 고딕"/>
-                <a:ea typeface="맑은 고딕"/>
-                <a:cs typeface="맑은 고딕"/>
-              </a:rPr>
-              <a:t>[BC] SAP 시스템 이관 / 변경</a:t>
-            </a:r>
-            <a:br/>
-            <a:r>
-              <a:rPr lang="ko" sz="900">
-                <a:latin typeface="맑은 고딕"/>
-                <a:ea typeface="맑은 고딕"/>
-                <a:cs typeface="맑은 고딕"/>
-              </a:rPr>
-              <a:t>[BC] (구)조회용 ERP시스템 DB 아카이브 </a:t>
-            </a:r>
-            <a:br/>
-            <a:r>
-              <a:rPr lang="ko" sz="900">
-                <a:latin typeface="맑은 고딕"/>
-                <a:ea typeface="맑은 고딕"/>
-                <a:cs typeface="맑은 고딕"/>
-              </a:rPr>
-              <a:t>로그 삭제 작업(‘22.04월~’22.11월)</a:t>
-            </a:r>
-          </a:p>
-        </p:txBody>
-      </p:sp>
-      <p:sp>
-        <p:nvSpPr>
-          <p:cNvPr id="1059397790" name="Text">
-    </p:cNvPr>
-          <p:cNvSpPr>
-            <a:spLocks noGrp="1"/>
-          </p:cNvSpPr>
-          <p:nvPr/>
-        </p:nvSpPr>
-        <p:spPr>
-          <a:xfrm rot="0">
-            <a:off x="7543800" y="1473200"/>
-            <a:ext cx="2667000" cy="787400"/>
-          </a:xfrm>
-          <a:prstGeom prst="rect">
-            <a:avLst/>
-          </a:prstGeom>
-          <a:ln w="12700">
-            <a:solidFill>
-              <a:srgbClr val="000000"/>
-            </a:solidFill>
-            <a:prstDash val="solid"/>
-          </a:ln>
-        </p:spPr>
-        <p:txBody>
-          <a:bodyPr wrap="square" lIns="0" tIns="0" rIns="0" bIns="0" rtlCol="0" anchor="t"/>
-          <a:lstStyle/>
-          <a:p>
-            <a:pPr algn="l">
-              <a:lnSpc>
-                <a:spcPct val="100%"/>
-              </a:lnSpc>
-              <a:defRPr sz="900">
-                <a:solidFill>
-                  <a:srgbClr val="000000"/>
-                </a:solidFill>
-                <a:latin typeface="맑은 고딕"/>
-                <a:ea typeface="맑은 고딕"/>
-                <a:cs typeface="맑은 고딕"/>
-              </a:defRPr>
-            </a:pPr>
-          </a:p>
-        </p:txBody>
-      </p:sp>
-      <p:sp>
-        <p:nvSpPr>
-          <p:cNvPr id="1646464246" name="Text">
-    </p:cNvPr>
-          <p:cNvSpPr>
-            <a:spLocks noGrp="1"/>
-          </p:cNvSpPr>
-          <p:nvPr/>
-        </p:nvSpPr>
-        <p:spPr>
-          <a:xfrm rot="0">
-            <a:off x="6527800" y="1473200"/>
-            <a:ext cx="749300" cy="787400"/>
-          </a:xfrm>
-          <a:prstGeom prst="rect">
-            <a:avLst/>
-          </a:prstGeom>
-          <a:ln w="12700">
-            <a:solidFill>
-              <a:srgbClr val="000000"/>
-            </a:solidFill>
-            <a:prstDash val="solid"/>
-          </a:ln>
-        </p:spPr>
-        <p:txBody>
-          <a:bodyPr wrap="square" lIns="0" tIns="0" rIns="0" bIns="0" rtlCol="0" anchor="ctr"/>
-          <a:lstStyle/>
-          <a:p>
-            <a:pPr algn="ctr">
-              <a:lnSpc>
-                <a:spcPct val="100%"/>
-              </a:lnSpc>
-              <a:defRPr sz="900">
-                <a:solidFill>
-                  <a:srgbClr val="000000"/>
-                </a:solidFill>
-                <a:latin typeface="맑은 고딕"/>
-                <a:ea typeface="맑은 고딕"/>
-                <a:cs typeface="맑은 고딕"/>
-              </a:defRPr>
-            </a:pPr>
-            <a:r>
-              <a:rPr lang="ko" sz="900">
-                <a:latin typeface="맑은 고딕"/>
-                <a:ea typeface="맑은 고딕"/>
-                <a:cs typeface="맑은 고딕"/>
-              </a:rPr>
-              <a:t>진행중</a:t>
-            </a:r>
-          </a:p>
-        </p:txBody>
-      </p:sp>
-      <p:sp>
-        <p:nvSpPr>
-          <p:cNvPr id="1573222913" name="Text">
-    </p:cNvPr>
-          <p:cNvSpPr>
-            <a:spLocks noGrp="1"/>
-          </p:cNvSpPr>
-          <p:nvPr/>
-        </p:nvSpPr>
-        <p:spPr>
-          <a:xfrm rot="0">
-            <a:off x="177800" y="838200"/>
-            <a:ext cx="2489200" cy="215900"/>
+          <p:cNvPr id="727319965" name="Text">
+    </p:cNvPr>
+          <p:cNvSpPr>
+            <a:spLocks noGrp="1"/>
+          </p:cNvSpPr>
+          <p:nvPr/>
+        </p:nvSpPr>
+        <p:spPr>
+          <a:xfrm rot="0">
+            <a:off x="165100" y="838200"/>
+            <a:ext cx="2108200" cy="215900"/>
           </a:xfrm>
           <a:prstGeom prst="rect">
             <a:avLst/>
@@ -798,7 +663,7 @@
           <a:bodyPr wrap="square" lIns="0" tIns="0" rIns="0" bIns="0" rtlCol="0" anchor="ctr"/>
           <a:lstStyle/>
           <a:p>
-            <a:pPr algn="ctr">
+            <a:pPr algn="l">
               <a:lnSpc>
                 <a:spcPct val="100%"/>
               </a:lnSpc>
@@ -817,24 +682,24 @@
                 <a:ea typeface="맑은 고딕"/>
                 <a:cs typeface="맑은 고딕"/>
               </a:rPr>
-              <a:t>금주 업무 실적</a:t>
-            </a:r>
-          </a:p>
-        </p:txBody>
-      </p:sp>
-      <p:sp>
-        <p:nvSpPr>
-          <p:cNvPr id="593915678" name="Text">
-    </p:cNvPr>
-          <p:cNvSpPr>
-            <a:spLocks noGrp="1"/>
-          </p:cNvSpPr>
-          <p:nvPr/>
-        </p:nvSpPr>
-        <p:spPr>
-          <a:xfrm rot="0">
-            <a:off x="190500" y="3175000"/>
-            <a:ext cx="2476500" cy="228600"/>
+              <a:t> 금주 업무 실적</a:t>
+            </a:r>
+          </a:p>
+        </p:txBody>
+      </p:sp>
+      <p:sp>
+        <p:nvSpPr>
+          <p:cNvPr id="1959208419" name="Text">
+    </p:cNvPr>
+          <p:cNvSpPr>
+            <a:spLocks noGrp="1"/>
+          </p:cNvSpPr>
+          <p:nvPr/>
+        </p:nvSpPr>
+        <p:spPr>
+          <a:xfrm rot="0">
+            <a:off x="177800" y="3175000"/>
+            <a:ext cx="2095500" cy="228600"/>
           </a:xfrm>
           <a:prstGeom prst="rect">
             <a:avLst/>
@@ -847,7 +712,7 @@
           <a:bodyPr wrap="square" lIns="0" tIns="0" rIns="0" bIns="0" rtlCol="0" anchor="ctr"/>
           <a:lstStyle/>
           <a:p>
-            <a:pPr algn="ctr">
+            <a:pPr algn="l">
               <a:lnSpc>
                 <a:spcPct val="100%"/>
               </a:lnSpc>
@@ -866,24 +731,24 @@
                 <a:ea typeface="맑은 고딕"/>
                 <a:cs typeface="맑은 고딕"/>
               </a:rPr>
-              <a:t>차주 업무 계획</a:t>
-            </a:r>
-          </a:p>
-        </p:txBody>
-      </p:sp>
-      <p:sp>
-        <p:nvSpPr>
-          <p:cNvPr id="902924860" name="Text">
-    </p:cNvPr>
-          <p:cNvSpPr>
-            <a:spLocks noGrp="1"/>
-          </p:cNvSpPr>
-          <p:nvPr/>
-        </p:nvSpPr>
-        <p:spPr>
-          <a:xfrm rot="0">
-            <a:off x="355600" y="1079500"/>
-            <a:ext cx="825500" cy="393700"/>
+              <a:t> 차주 업무 계획</a:t>
+            </a:r>
+          </a:p>
+        </p:txBody>
+      </p:sp>
+      <p:sp>
+        <p:nvSpPr>
+          <p:cNvPr id="697472393" name="Text">
+    </p:cNvPr>
+          <p:cNvSpPr>
+            <a:spLocks noGrp="1"/>
+          </p:cNvSpPr>
+          <p:nvPr/>
+        </p:nvSpPr>
+        <p:spPr>
+          <a:xfrm rot="0">
+            <a:off x="152400" y="1092200"/>
+            <a:ext cx="749300" cy="393700"/>
           </a:xfrm>
           <a:prstGeom prst="rect">
             <a:avLst/>
@@ -928,17 +793,17 @@
       </p:sp>
       <p:sp>
         <p:nvSpPr>
-          <p:cNvPr id="1332704460" name="Text">
-    </p:cNvPr>
-          <p:cNvSpPr>
-            <a:spLocks noGrp="1"/>
-          </p:cNvSpPr>
-          <p:nvPr/>
-        </p:nvSpPr>
-        <p:spPr>
-          <a:xfrm rot="0">
-            <a:off x="1181100" y="1079500"/>
-            <a:ext cx="4572000" cy="393700"/>
+          <p:cNvPr id="2415291" name="Text">
+    </p:cNvPr>
+          <p:cNvSpPr>
+            <a:spLocks noGrp="1"/>
+          </p:cNvSpPr>
+          <p:nvPr/>
+        </p:nvSpPr>
+        <p:spPr>
+          <a:xfrm rot="0">
+            <a:off x="901700" y="1092200"/>
+            <a:ext cx="4648200" cy="393700"/>
           </a:xfrm>
           <a:prstGeom prst="rect">
             <a:avLst/>
@@ -983,16 +848,16 @@
       </p:sp>
       <p:sp>
         <p:nvSpPr>
-          <p:cNvPr id="965478994" name="Text">
-    </p:cNvPr>
-          <p:cNvSpPr>
-            <a:spLocks noGrp="1"/>
-          </p:cNvSpPr>
-          <p:nvPr/>
-        </p:nvSpPr>
-        <p:spPr>
-          <a:xfrm rot="0">
-            <a:off x="6527800" y="1079500"/>
+          <p:cNvPr id="2066305487" name="Text">
+    </p:cNvPr>
+          <p:cNvSpPr>
+            <a:spLocks noGrp="1"/>
+          </p:cNvSpPr>
+          <p:nvPr/>
+        </p:nvSpPr>
+        <p:spPr>
+          <a:xfrm rot="0">
+            <a:off x="6324600" y="1092200"/>
             <a:ext cx="762000" cy="393700"/>
           </a:xfrm>
           <a:prstGeom prst="rect">
@@ -1038,16 +903,16 @@
       </p:sp>
       <p:sp>
         <p:nvSpPr>
-          <p:cNvPr id="688032994" name="Text">
-    </p:cNvPr>
-          <p:cNvSpPr>
-            <a:spLocks noGrp="1"/>
-          </p:cNvSpPr>
-          <p:nvPr/>
-        </p:nvSpPr>
-        <p:spPr>
-          <a:xfrm rot="0">
-            <a:off x="7289800" y="1079500"/>
+          <p:cNvPr id="915184500" name="Text">
+    </p:cNvPr>
+          <p:cNvSpPr>
+            <a:spLocks noGrp="1"/>
+          </p:cNvSpPr>
+          <p:nvPr/>
+        </p:nvSpPr>
+        <p:spPr>
+          <a:xfrm rot="0">
+            <a:off x="7086600" y="1092200"/>
             <a:ext cx="254000" cy="393700"/>
           </a:xfrm>
           <a:prstGeom prst="rect">
@@ -1102,17 +967,17 @@
       </p:sp>
       <p:sp>
         <p:nvSpPr>
-          <p:cNvPr id="272331668" name="Text">
-    </p:cNvPr>
-          <p:cNvSpPr>
-            <a:spLocks noGrp="1"/>
-          </p:cNvSpPr>
-          <p:nvPr/>
-        </p:nvSpPr>
-        <p:spPr>
-          <a:xfrm rot="0">
-            <a:off x="368300" y="3429000"/>
-            <a:ext cx="812800" cy="342900"/>
+          <p:cNvPr id="185560817" name="Text">
+    </p:cNvPr>
+          <p:cNvSpPr>
+            <a:spLocks noGrp="1"/>
+          </p:cNvSpPr>
+          <p:nvPr/>
+        </p:nvSpPr>
+        <p:spPr>
+          <a:xfrm rot="0">
+            <a:off x="165100" y="3429000"/>
+            <a:ext cx="736600" cy="342900"/>
           </a:xfrm>
           <a:prstGeom prst="rect">
             <a:avLst/>
@@ -1157,17 +1022,17 @@
       </p:sp>
       <p:sp>
         <p:nvSpPr>
-          <p:cNvPr id="608611403" name="Text">
-    </p:cNvPr>
-          <p:cNvSpPr>
-            <a:spLocks noGrp="1"/>
-          </p:cNvSpPr>
-          <p:nvPr/>
-        </p:nvSpPr>
-        <p:spPr>
-          <a:xfrm rot="0">
-            <a:off x="1181100" y="3429000"/>
-            <a:ext cx="4572000" cy="342900"/>
+          <p:cNvPr id="760781865" name="Text">
+    </p:cNvPr>
+          <p:cNvSpPr>
+            <a:spLocks noGrp="1"/>
+          </p:cNvSpPr>
+          <p:nvPr/>
+        </p:nvSpPr>
+        <p:spPr>
+          <a:xfrm rot="0">
+            <a:off x="901700" y="3429000"/>
+            <a:ext cx="4648200" cy="342900"/>
           </a:xfrm>
           <a:prstGeom prst="rect">
             <a:avLst/>
@@ -1212,16 +1077,16 @@
       </p:sp>
       <p:sp>
         <p:nvSpPr>
-          <p:cNvPr id="2109864971" name="Text">
-    </p:cNvPr>
-          <p:cNvSpPr>
-            <a:spLocks noGrp="1"/>
-          </p:cNvSpPr>
-          <p:nvPr/>
-        </p:nvSpPr>
-        <p:spPr>
-          <a:xfrm rot="0">
-            <a:off x="5753100" y="3429000"/>
+          <p:cNvPr id="474875748" name="Text">
+    </p:cNvPr>
+          <p:cNvSpPr>
+            <a:spLocks noGrp="1"/>
+          </p:cNvSpPr>
+          <p:nvPr/>
+        </p:nvSpPr>
+        <p:spPr>
+          <a:xfrm rot="0">
+            <a:off x="5549900" y="3429000"/>
             <a:ext cx="800100" cy="342900"/>
           </a:xfrm>
           <a:prstGeom prst="rect">
@@ -1267,17 +1132,17 @@
       </p:sp>
       <p:sp>
         <p:nvSpPr>
-          <p:cNvPr id="1075387085" name="Text">
-    </p:cNvPr>
-          <p:cNvSpPr>
-            <a:spLocks noGrp="1"/>
-          </p:cNvSpPr>
-          <p:nvPr/>
-        </p:nvSpPr>
-        <p:spPr>
-          <a:xfrm rot="0">
-            <a:off x="7543800" y="1079500"/>
-            <a:ext cx="2667000" cy="393700"/>
+          <p:cNvPr id="1321953442" name="Text">
+    </p:cNvPr>
+          <p:cNvSpPr>
+            <a:spLocks noGrp="1"/>
+          </p:cNvSpPr>
+          <p:nvPr/>
+        </p:nvSpPr>
+        <p:spPr>
+          <a:xfrm rot="0">
+            <a:off x="7340600" y="1092200"/>
+            <a:ext cx="2654300" cy="393700"/>
           </a:xfrm>
           <a:prstGeom prst="rect">
             <a:avLst/>
@@ -1322,17 +1187,17 @@
       </p:sp>
       <p:sp>
         <p:nvSpPr>
-          <p:cNvPr id="192243337" name="Text">
-    </p:cNvPr>
-          <p:cNvSpPr>
-            <a:spLocks noGrp="1"/>
-          </p:cNvSpPr>
-          <p:nvPr/>
-        </p:nvSpPr>
-        <p:spPr>
-          <a:xfrm rot="0">
-            <a:off x="6553200" y="3429000"/>
-            <a:ext cx="3670300" cy="342900"/>
+          <p:cNvPr id="1053028204" name="Text">
+    </p:cNvPr>
+          <p:cNvSpPr>
+            <a:spLocks noGrp="1"/>
+          </p:cNvSpPr>
+          <p:nvPr/>
+        </p:nvSpPr>
+        <p:spPr>
+          <a:xfrm rot="0">
+            <a:off x="6350000" y="3429000"/>
+            <a:ext cx="3644900" cy="342900"/>
           </a:xfrm>
           <a:prstGeom prst="rect">
             <a:avLst/>
@@ -1377,16 +1242,16 @@
       </p:sp>
       <p:sp>
         <p:nvSpPr>
-          <p:cNvPr id="448833368" name="Text">
-    </p:cNvPr>
-          <p:cNvSpPr>
-            <a:spLocks noGrp="1"/>
-          </p:cNvSpPr>
-          <p:nvPr/>
-        </p:nvSpPr>
-        <p:spPr>
-          <a:xfrm rot="0">
-            <a:off x="5753100" y="1079500"/>
+          <p:cNvPr id="1460901193" name="Text">
+    </p:cNvPr>
+          <p:cNvSpPr>
+            <a:spLocks noGrp="1"/>
+          </p:cNvSpPr>
+          <p:nvPr/>
+        </p:nvSpPr>
+        <p:spPr>
+          <a:xfrm rot="0">
+            <a:off x="5549900" y="1092200"/>
             <a:ext cx="774700" cy="393700"/>
           </a:xfrm>
           <a:prstGeom prst="rect">
@@ -1432,32 +1297,64 @@
       </p:sp>
       <p:sp>
         <p:nvSpPr>
-          <p:cNvPr id="1746084271" name="Text">
-    </p:cNvPr>
-          <p:cNvSpPr>
-            <a:spLocks noGrp="1"/>
-          </p:cNvSpPr>
-          <p:nvPr/>
-        </p:nvSpPr>
-        <p:spPr>
-          <a:xfrm rot="0">
-            <a:off x="5753100" y="1473200"/>
-            <a:ext cx="774700" cy="787400"/>
-          </a:xfrm>
-          <a:prstGeom prst="rect">
-            <a:avLst/>
-          </a:prstGeom>
-          <a:ln w="12700">
-            <a:solidFill>
-              <a:srgbClr val="000000"/>
-            </a:solidFill>
-            <a:prstDash val="solid"/>
-          </a:ln>
+          <p:cNvPr id="990567912" name="Text">
+    </p:cNvPr>
+          <p:cNvSpPr>
+            <a:spLocks noGrp="1"/>
+          </p:cNvSpPr>
+          <p:nvPr/>
+        </p:nvSpPr>
+        <p:spPr>
+          <a:xfrm rot="0">
+            <a:off x="6489700" y="4673600"/>
+            <a:ext cx="3505200" cy="698500"/>
+          </a:xfrm>
+          <a:prstGeom prst="rect">
+            <a:avLst/>
+          </a:prstGeom>
         </p:spPr>
         <p:txBody>
           <a:bodyPr wrap="square" lIns="0" tIns="0" rIns="0" bIns="0" rtlCol="0" anchor="t"/>
           <a:lstStyle/>
           <a:p>
+            <a:pPr algn="l">
+              <a:lnSpc>
+                <a:spcPct val="100%"/>
+              </a:lnSpc>
+              <a:defRPr sz="900">
+                <a:solidFill>
+                  <a:srgbClr val="000000"/>
+                </a:solidFill>
+                <a:latin typeface="맑은 고딕"/>
+                <a:ea typeface="맑은 고딕"/>
+                <a:cs typeface="맑은 고딕"/>
+              </a:defRPr>
+            </a:pPr>
+          </a:p>
+        </p:txBody>
+      </p:sp>
+      <p:sp>
+        <p:nvSpPr>
+          <p:cNvPr id="772881491" name="Text">
+    </p:cNvPr>
+          <p:cNvSpPr>
+            <a:spLocks noGrp="1"/>
+          </p:cNvSpPr>
+          <p:nvPr/>
+        </p:nvSpPr>
+        <p:spPr>
+          <a:xfrm rot="0">
+            <a:off x="5549900" y="4673600"/>
+            <a:ext cx="800100" cy="698500"/>
+          </a:xfrm>
+          <a:prstGeom prst="rect">
+            <a:avLst/>
+          </a:prstGeom>
+        </p:spPr>
+        <p:txBody>
+          <a:bodyPr wrap="square" lIns="0" tIns="0" rIns="0" bIns="0" rtlCol="0" anchor="t"/>
+          <a:lstStyle/>
+          <a:p>
             <a:pPr algn="ctr">
               <a:lnSpc>
                 <a:spcPct val="100%"/>
@@ -1477,7 +1374,7 @@
                 <a:ea typeface="맑은 고딕"/>
                 <a:cs typeface="맑은 고딕"/>
               </a:rPr>
-              <a:t>02/06</a:t>
+              <a:t>03/31</a:t>
             </a:r>
             <a:br/>
             <a:r>
@@ -1486,7 +1383,7 @@
                 <a:ea typeface="맑은 고딕"/>
                 <a:cs typeface="맑은 고딕"/>
               </a:rPr>
-              <a:t>02/06</a:t>
+              <a:t>03/31</a:t>
             </a:r>
             <a:br/>
             <a:r>
@@ -1495,24 +1392,106 @@
                 <a:ea typeface="맑은 고딕"/>
                 <a:cs typeface="맑은 고딕"/>
               </a:rPr>
-              <a:t>02/07</a:t>
-            </a:r>
-          </a:p>
-        </p:txBody>
-      </p:sp>
-      <p:sp>
-        <p:nvSpPr>
-          <p:cNvPr id="1616150802" name="Text">
-    </p:cNvPr>
-          <p:cNvSpPr>
-            <a:spLocks noGrp="1"/>
-          </p:cNvSpPr>
-          <p:nvPr/>
-        </p:nvSpPr>
-        <p:spPr>
-          <a:xfrm rot="0">
-            <a:off x="368300" y="2260600"/>
-            <a:ext cx="812800" cy="812800"/>
+              <a:t>02/28</a:t>
+            </a:r>
+            <a:br/>
+            <a:r>
+              <a:rPr lang="ko" sz="900">
+                <a:latin typeface="맑은 고딕"/>
+                <a:ea typeface="맑은 고딕"/>
+                <a:cs typeface="맑은 고딕"/>
+              </a:rPr>
+              <a:t>03/31</a:t>
+            </a:r>
+          </a:p>
+        </p:txBody>
+      </p:sp>
+      <p:sp>
+        <p:nvSpPr>
+          <p:cNvPr id="252186226" name="Text">
+    </p:cNvPr>
+          <p:cNvSpPr>
+            <a:spLocks noGrp="1"/>
+          </p:cNvSpPr>
+          <p:nvPr/>
+        </p:nvSpPr>
+        <p:spPr>
+          <a:xfrm rot="0">
+            <a:off x="1028700" y="4673600"/>
+            <a:ext cx="4521200" cy="698500"/>
+          </a:xfrm>
+          <a:prstGeom prst="rect">
+            <a:avLst/>
+          </a:prstGeom>
+        </p:spPr>
+        <p:txBody>
+          <a:bodyPr wrap="square" lIns="0" tIns="0" rIns="0" bIns="0" rtlCol="0" anchor="t"/>
+          <a:lstStyle/>
+          <a:p>
+            <a:pPr algn="l">
+              <a:lnSpc>
+                <a:spcPct val="100%"/>
+              </a:lnSpc>
+              <a:defRPr sz="900">
+                <a:solidFill>
+                  <a:srgbClr val="000000"/>
+                </a:solidFill>
+                <a:latin typeface="맑은 고딕"/>
+                <a:ea typeface="맑은 고딕"/>
+                <a:cs typeface="맑은 고딕"/>
+              </a:defRPr>
+            </a:pPr>
+            <a:r>
+              <a:rPr lang="ko" sz="900">
+                <a:latin typeface="맑은 고딕"/>
+                <a:ea typeface="맑은 고딕"/>
+                <a:cs typeface="맑은 고딕"/>
+              </a:rPr>
+              <a:t>[PRM] 주유원복 지원 시스템 개선</a:t>
+            </a:r>
+            <a:br/>
+            <a:r>
+              <a:rPr lang="ko" sz="900">
+                <a:latin typeface="맑은 고딕"/>
+                <a:ea typeface="맑은 고딕"/>
+                <a:cs typeface="맑은 고딕"/>
+              </a:rPr>
+              <a:t>[E-Approval] 지방사업장 중식비, 조식비, 교통비 신청서 개발 요청</a:t>
+            </a:r>
+            <a:br/>
+            <a:r>
+              <a:rPr lang="ko" sz="900">
+                <a:latin typeface="맑은 고딕"/>
+                <a:ea typeface="맑은 고딕"/>
+                <a:cs typeface="맑은 고딕"/>
+              </a:rPr>
+              <a:t>[ERS] 정기적 검토 메일 기능개선 (진행 현황 확인 및 적용 일정 확인)</a:t>
+            </a:r>
+            <a:br/>
+            <a:r>
+              <a:rPr lang="ko" sz="900">
+                <a:latin typeface="맑은 고딕"/>
+                <a:ea typeface="맑은 고딕"/>
+                <a:cs typeface="맑은 고딕"/>
+              </a:rPr>
+              <a:t>[EAI] HCM-지방사업장 중식비, 조식비, 교통비 신청서 개발</a:t>
+            </a:r>
+          </a:p>
+        </p:txBody>
+      </p:sp>
+      <p:sp>
+        <p:nvSpPr>
+          <p:cNvPr id="1157266183" name="Text">
+    </p:cNvPr>
+          <p:cNvSpPr>
+            <a:spLocks noGrp="1"/>
+          </p:cNvSpPr>
+          <p:nvPr/>
+        </p:nvSpPr>
+        <p:spPr>
+          <a:xfrm rot="0">
+            <a:off x="165100" y="4572000"/>
+            <a:ext cx="736600" cy="800100"/>
           </a:xfrm>
           <a:prstGeom prst="rect">
             <a:avLst/>
@@ -1532,17 +1511,17 @@
               <a:lnSpc>
                 <a:spcPct val="100%"/>
               </a:lnSpc>
-              <a:defRPr sz="1100">
-                <a:solidFill>
-                  <a:srgbClr val="000000"/>
-                </a:solidFill>
-                <a:latin typeface="맑은 고딕"/>
-                <a:ea typeface="맑은 고딕"/>
-                <a:cs typeface="맑은 고딕"/>
-              </a:defRPr>
-            </a:pPr>
-            <a:r>
-              <a:rPr lang="ko" sz="1100">
+              <a:defRPr sz="1000">
+                <a:solidFill>
+                  <a:srgbClr val="000000"/>
+                </a:solidFill>
+                <a:latin typeface="맑은 고딕"/>
+                <a:ea typeface="맑은 고딕"/>
+                <a:cs typeface="맑은 고딕"/>
+              </a:defRPr>
+            </a:pPr>
+            <a:r>
+              <a:rPr lang="ko" sz="1000">
                 <a:latin typeface="맑은 고딕"/>
                 <a:ea typeface="맑은 고딕"/>
                 <a:cs typeface="맑은 고딕"/>
@@ -1554,509 +1533,7 @@
       </p:sp>
       <p:sp>
         <p:nvSpPr>
-          <p:cNvPr id="1077273279" name="Text">
-    </p:cNvPr>
-          <p:cNvSpPr>
-            <a:spLocks noGrp="1"/>
-          </p:cNvSpPr>
-          <p:nvPr/>
-        </p:nvSpPr>
-        <p:spPr>
-          <a:xfrm rot="0">
-            <a:off x="1181100" y="2260600"/>
-            <a:ext cx="4572000" cy="1054100"/>
-          </a:xfrm>
-          <a:prstGeom prst="rect">
-            <a:avLst/>
-          </a:prstGeom>
-          <a:ln w="12700">
-            <a:solidFill>
-              <a:srgbClr val="000000"/>
-            </a:solidFill>
-            <a:prstDash val="solid"/>
-          </a:ln>
-        </p:spPr>
-        <p:txBody>
-          <a:bodyPr wrap="square" lIns="0" tIns="0" rIns="0" bIns="0" rtlCol="0" anchor="t"/>
-          <a:lstStyle/>
-          <a:p>
-            <a:pPr algn="l">
-              <a:lnSpc>
-                <a:spcPct val="100%"/>
-              </a:lnSpc>
-              <a:defRPr sz="900">
-                <a:solidFill>
-                  <a:srgbClr val="000000"/>
-                </a:solidFill>
-                <a:latin typeface="맑은 고딕"/>
-                <a:ea typeface="맑은 고딕"/>
-                <a:cs typeface="맑은 고딕"/>
-              </a:defRPr>
-            </a:pPr>
-            <a:r>
-              <a:rPr lang="ko" sz="900">
-                <a:latin typeface="맑은 고딕"/>
-                <a:ea typeface="맑은 고딕"/>
-                <a:cs typeface="맑은 고딕"/>
-              </a:rPr>
-              <a:t>[e-Pro] 견적서 관련 OZ report 문제</a:t>
-            </a:r>
-            <a:br/>
-            <a:r>
-              <a:rPr lang="ko" sz="900">
-                <a:latin typeface="맑은 고딕"/>
-                <a:ea typeface="맑은 고딕"/>
-                <a:cs typeface="맑은 고딕"/>
-              </a:rPr>
-              <a:t>(with 엠로 프로젝트팀)</a:t>
-            </a:r>
-            <a:br/>
-            <a:r>
-              <a:rPr lang="ko" sz="900">
-                <a:latin typeface="맑은 고딕"/>
-                <a:ea typeface="맑은 고딕"/>
-                <a:cs typeface="맑은 고딕"/>
-              </a:rPr>
-              <a:t>[e-Pro] 자체구매 로그인 오류</a:t>
-            </a:r>
-            <a:br/>
-            <a:r>
-              <a:rPr lang="ko" sz="900">
-                <a:latin typeface="맑은 고딕"/>
-                <a:ea typeface="맑은 고딕"/>
-                <a:cs typeface="맑은 고딕"/>
-              </a:rPr>
-              <a:t>(with 엠로 프로젝트팀)</a:t>
-            </a:r>
-            <a:br/>
-            <a:r>
-              <a:rPr lang="ko" sz="900">
-                <a:latin typeface="맑은 고딕"/>
-                <a:ea typeface="맑은 고딕"/>
-                <a:cs typeface="맑은 고딕"/>
-              </a:rPr>
-              <a:t>[RMS] 1차 테스트</a:t>
-            </a:r>
-            <a:br/>
-            <a:r>
-              <a:rPr lang="ko" sz="900">
-                <a:latin typeface="맑은 고딕"/>
-                <a:ea typeface="맑은 고딕"/>
-                <a:cs typeface="맑은 고딕"/>
-              </a:rPr>
-              <a:t>    (피드백 수렴 / 에러 처리)</a:t>
-            </a:r>
-            <a:br/>
-            <a:r>
-              <a:rPr lang="ko" sz="900">
-                <a:latin typeface="맑은 고딕"/>
-                <a:ea typeface="맑은 고딕"/>
-                <a:cs typeface="맑은 고딕"/>
-              </a:rPr>
-              <a:t>    1. 기능 안정화, 2. 계승 기능 추가</a:t>
-            </a:r>
-          </a:p>
-        </p:txBody>
-      </p:sp>
-      <p:sp>
-        <p:nvSpPr>
-          <p:cNvPr id="1607497606" name="Text">
-    </p:cNvPr>
-          <p:cNvSpPr>
-            <a:spLocks noGrp="1"/>
-          </p:cNvSpPr>
-          <p:nvPr/>
-        </p:nvSpPr>
-        <p:spPr>
-          <a:xfrm rot="0">
-            <a:off x="7543800" y="2260600"/>
-            <a:ext cx="2667000" cy="812800"/>
-          </a:xfrm>
-          <a:prstGeom prst="rect">
-            <a:avLst/>
-          </a:prstGeom>
-          <a:ln w="12700">
-            <a:solidFill>
-              <a:srgbClr val="000000"/>
-            </a:solidFill>
-            <a:prstDash val="solid"/>
-          </a:ln>
-        </p:spPr>
-        <p:txBody>
-          <a:bodyPr wrap="square" lIns="0" tIns="0" rIns="0" bIns="0" rtlCol="0" anchor="t"/>
-          <a:lstStyle/>
-          <a:p>
-            <a:pPr algn="l">
-              <a:lnSpc>
-                <a:spcPct val="100%"/>
-              </a:lnSpc>
-              <a:defRPr sz="900">
-                <a:solidFill>
-                  <a:srgbClr val="000000"/>
-                </a:solidFill>
-                <a:latin typeface="맑은 고딕"/>
-                <a:ea typeface="맑은 고딕"/>
-                <a:cs typeface="맑은 고딕"/>
-              </a:defRPr>
-            </a:pPr>
-          </a:p>
-        </p:txBody>
-      </p:sp>
-      <p:sp>
-        <p:nvSpPr>
-          <p:cNvPr id="784284554" name="Text">
-    </p:cNvPr>
-          <p:cNvSpPr>
-            <a:spLocks noGrp="1"/>
-          </p:cNvSpPr>
-          <p:nvPr/>
-        </p:nvSpPr>
-        <p:spPr>
-          <a:xfrm rot="0">
-            <a:off x="6527800" y="2260600"/>
-            <a:ext cx="749300" cy="812800"/>
-          </a:xfrm>
-          <a:prstGeom prst="rect">
-            <a:avLst/>
-          </a:prstGeom>
-          <a:ln w="12700">
-            <a:solidFill>
-              <a:srgbClr val="000000"/>
-            </a:solidFill>
-            <a:prstDash val="solid"/>
-          </a:ln>
-        </p:spPr>
-        <p:txBody>
-          <a:bodyPr wrap="square" lIns="0" tIns="0" rIns="0" bIns="0" rtlCol="0" anchor="ctr"/>
-          <a:lstStyle/>
-          <a:p>
-            <a:pPr algn="ctr">
-              <a:lnSpc>
-                <a:spcPct val="100%"/>
-              </a:lnSpc>
-              <a:defRPr sz="900">
-                <a:solidFill>
-                  <a:srgbClr val="000000"/>
-                </a:solidFill>
-                <a:latin typeface="맑은 고딕"/>
-                <a:ea typeface="맑은 고딕"/>
-                <a:cs typeface="맑은 고딕"/>
-              </a:defRPr>
-            </a:pPr>
-            <a:r>
-              <a:rPr lang="ko" sz="900">
-                <a:latin typeface="맑은 고딕"/>
-                <a:ea typeface="맑은 고딕"/>
-                <a:cs typeface="맑은 고딕"/>
-              </a:rPr>
-              <a:t>완료</a:t>
-            </a:r>
-          </a:p>
-        </p:txBody>
-      </p:sp>
-      <p:sp>
-        <p:nvSpPr>
-          <p:cNvPr id="1780970334" name="Text">
-    </p:cNvPr>
-          <p:cNvSpPr>
-            <a:spLocks noGrp="1"/>
-          </p:cNvSpPr>
-          <p:nvPr/>
-        </p:nvSpPr>
-        <p:spPr>
-          <a:xfrm rot="0">
-            <a:off x="5753100" y="2260600"/>
-            <a:ext cx="774700" cy="812800"/>
-          </a:xfrm>
-          <a:prstGeom prst="rect">
-            <a:avLst/>
-          </a:prstGeom>
-          <a:ln w="12700">
-            <a:solidFill>
-              <a:srgbClr val="000000"/>
-            </a:solidFill>
-            <a:prstDash val="solid"/>
-          </a:ln>
-        </p:spPr>
-        <p:txBody>
-          <a:bodyPr wrap="square" lIns="0" tIns="0" rIns="0" bIns="0" rtlCol="0" anchor="t"/>
-          <a:lstStyle/>
-          <a:p>
-            <a:pPr algn="ctr">
-              <a:lnSpc>
-                <a:spcPct val="100%"/>
-              </a:lnSpc>
-              <a:defRPr sz="900">
-                <a:solidFill>
-                  <a:srgbClr val="000000"/>
-                </a:solidFill>
-                <a:latin typeface="맑은 고딕"/>
-                <a:ea typeface="맑은 고딕"/>
-                <a:cs typeface="맑은 고딕"/>
-              </a:defRPr>
-            </a:pPr>
-            <a:r>
-              <a:rPr lang="ko" sz="900">
-                <a:latin typeface="맑은 고딕"/>
-                <a:ea typeface="맑은 고딕"/>
-                <a:cs typeface="맑은 고딕"/>
-              </a:rPr>
-              <a:t>02/09</a:t>
-            </a:r>
-            <a:br/>
-            <a:br/>
-            <a:r>
-              <a:rPr lang="ko" sz="900">
-                <a:latin typeface="맑은 고딕"/>
-                <a:ea typeface="맑은 고딕"/>
-                <a:cs typeface="맑은 고딕"/>
-              </a:rPr>
-              <a:t>02/08</a:t>
-            </a:r>
-            <a:br/>
-            <a:br/>
-            <a:r>
-              <a:rPr lang="ko" sz="900">
-                <a:latin typeface="맑은 고딕"/>
-                <a:ea typeface="맑은 고딕"/>
-                <a:cs typeface="맑은 고딕"/>
-              </a:rPr>
-              <a:t>02/06</a:t>
-            </a:r>
-          </a:p>
-        </p:txBody>
-      </p:sp>
-      <p:sp>
-        <p:nvSpPr>
-          <p:cNvPr id="99112127" name="Text">
-    </p:cNvPr>
-          <p:cNvSpPr>
-            <a:spLocks noGrp="1"/>
-          </p:cNvSpPr>
-          <p:nvPr/>
-        </p:nvSpPr>
-        <p:spPr>
-          <a:xfrm rot="0">
-            <a:off x="6553200" y="4572000"/>
-            <a:ext cx="3670300" cy="800100"/>
-          </a:xfrm>
-          <a:prstGeom prst="rect">
-            <a:avLst/>
-          </a:prstGeom>
-          <a:ln w="12700">
-            <a:solidFill>
-              <a:srgbClr val="000000"/>
-            </a:solidFill>
-            <a:prstDash val="solid"/>
-          </a:ln>
-        </p:spPr>
-        <p:txBody>
-          <a:bodyPr wrap="square" lIns="0" tIns="0" rIns="0" bIns="0" rtlCol="0" anchor="t"/>
-          <a:lstStyle/>
-          <a:p>
-            <a:pPr algn="l">
-              <a:lnSpc>
-                <a:spcPct val="100%"/>
-              </a:lnSpc>
-              <a:defRPr sz="900">
-                <a:solidFill>
-                  <a:srgbClr val="000000"/>
-                </a:solidFill>
-                <a:latin typeface="맑은 고딕"/>
-                <a:ea typeface="맑은 고딕"/>
-                <a:cs typeface="맑은 고딕"/>
-              </a:defRPr>
-            </a:pPr>
-          </a:p>
-        </p:txBody>
-      </p:sp>
-      <p:sp>
-        <p:nvSpPr>
-          <p:cNvPr id="1498972099" name="Text">
-    </p:cNvPr>
-          <p:cNvSpPr>
-            <a:spLocks noGrp="1"/>
-          </p:cNvSpPr>
-          <p:nvPr/>
-        </p:nvSpPr>
-        <p:spPr>
-          <a:xfrm rot="0">
-            <a:off x="5753100" y="4572000"/>
-            <a:ext cx="800100" cy="800100"/>
-          </a:xfrm>
-          <a:prstGeom prst="rect">
-            <a:avLst/>
-          </a:prstGeom>
-          <a:ln w="12700">
-            <a:solidFill>
-              <a:srgbClr val="000000"/>
-            </a:solidFill>
-            <a:prstDash val="solid"/>
-          </a:ln>
-        </p:spPr>
-        <p:txBody>
-          <a:bodyPr wrap="square" lIns="0" tIns="0" rIns="0" bIns="0" rtlCol="0" anchor="t"/>
-          <a:lstStyle/>
-          <a:p>
-            <a:pPr algn="ctr">
-              <a:lnSpc>
-                <a:spcPct val="100%"/>
-              </a:lnSpc>
-              <a:defRPr sz="900">
-                <a:solidFill>
-                  <a:srgbClr val="000000"/>
-                </a:solidFill>
-                <a:latin typeface="맑은 고딕"/>
-                <a:ea typeface="맑은 고딕"/>
-                <a:cs typeface="맑은 고딕"/>
-              </a:defRPr>
-            </a:pPr>
-            <a:r>
-              <a:rPr lang="ko" sz="900">
-                <a:latin typeface="맑은 고딕"/>
-                <a:ea typeface="맑은 고딕"/>
-                <a:cs typeface="맑은 고딕"/>
-              </a:rPr>
-              <a:t>02/07</a:t>
-            </a:r>
-            <a:br/>
-            <a:br/>
-            <a:r>
-              <a:rPr lang="ko" sz="900">
-                <a:latin typeface="맑은 고딕"/>
-                <a:ea typeface="맑은 고딕"/>
-                <a:cs typeface="맑은 고딕"/>
-              </a:rPr>
-              <a:t>02/17</a:t>
-            </a:r>
-          </a:p>
-        </p:txBody>
-      </p:sp>
-      <p:sp>
-        <p:nvSpPr>
-          <p:cNvPr id="250375177" name="Text">
-    </p:cNvPr>
-          <p:cNvSpPr>
-            <a:spLocks noGrp="1"/>
-          </p:cNvSpPr>
-          <p:nvPr/>
-        </p:nvSpPr>
-        <p:spPr>
-          <a:xfrm rot="0">
-            <a:off x="1181100" y="4572000"/>
-            <a:ext cx="4572000" cy="800100"/>
-          </a:xfrm>
-          <a:prstGeom prst="rect">
-            <a:avLst/>
-          </a:prstGeom>
-          <a:ln w="12700">
-            <a:solidFill>
-              <a:srgbClr val="000000"/>
-            </a:solidFill>
-            <a:prstDash val="solid"/>
-          </a:ln>
-        </p:spPr>
-        <p:txBody>
-          <a:bodyPr wrap="square" lIns="0" tIns="0" rIns="0" bIns="0" rtlCol="0" anchor="t"/>
-          <a:lstStyle/>
-          <a:p>
-            <a:pPr algn="l">
-              <a:lnSpc>
-                <a:spcPct val="100%"/>
-              </a:lnSpc>
-              <a:defRPr sz="900">
-                <a:solidFill>
-                  <a:srgbClr val="000000"/>
-                </a:solidFill>
-                <a:latin typeface="맑은 고딕"/>
-                <a:ea typeface="맑은 고딕"/>
-                <a:cs typeface="맑은 고딕"/>
-              </a:defRPr>
-            </a:pPr>
-            <a:r>
-              <a:rPr lang="ko" sz="900">
-                <a:latin typeface="맑은 고딕"/>
-                <a:ea typeface="맑은 고딕"/>
-                <a:cs typeface="맑은 고딕"/>
-              </a:rPr>
-              <a:t>[RMS] 피드백)시스템 기능 추가 및 보완</a:t>
-            </a:r>
-            <a:br/>
-            <a:r>
-              <a:rPr lang="ko" sz="900">
-                <a:latin typeface="맑은 고딕"/>
-                <a:ea typeface="맑은 고딕"/>
-                <a:cs typeface="맑은 고딕"/>
-              </a:rPr>
-              <a:t>     3. 조회 및 작성(데이터 개별화)</a:t>
-            </a:r>
-            <a:br/>
-            <a:r>
-              <a:rPr lang="ko" sz="900">
-                <a:latin typeface="맑은 고딕"/>
-                <a:ea typeface="맑은 고딕"/>
-                <a:cs typeface="맑은 고딕"/>
-              </a:rPr>
-              <a:t>[RMS] 기능 문의 및 피드백 처리</a:t>
-            </a:r>
-          </a:p>
-        </p:txBody>
-      </p:sp>
-      <p:sp>
-        <p:nvSpPr>
-          <p:cNvPr id="1602245385" name="Text">
-    </p:cNvPr>
-          <p:cNvSpPr>
-            <a:spLocks noGrp="1"/>
-          </p:cNvSpPr>
-          <p:nvPr/>
-        </p:nvSpPr>
-        <p:spPr>
-          <a:xfrm rot="0">
-            <a:off x="368300" y="4572000"/>
-            <a:ext cx="812800" cy="800100"/>
-          </a:xfrm>
-          <a:prstGeom prst="rect">
-            <a:avLst/>
-          </a:prstGeom>
-          <a:ln w="12700">
-            <a:solidFill>
-              <a:srgbClr val="000000"/>
-            </a:solidFill>
-            <a:prstDash val="solid"/>
-          </a:ln>
-        </p:spPr>
-        <p:txBody>
-          <a:bodyPr wrap="square" lIns="0" tIns="0" rIns="0" bIns="0" rtlCol="0" anchor="ctr"/>
-          <a:lstStyle/>
-          <a:p>
-            <a:pPr algn="ctr">
-              <a:lnSpc>
-                <a:spcPct val="100%"/>
-              </a:lnSpc>
-              <a:defRPr sz="1100">
-                <a:solidFill>
-                  <a:srgbClr val="000000"/>
-                </a:solidFill>
-                <a:latin typeface="맑은 고딕"/>
-                <a:ea typeface="맑은 고딕"/>
-                <a:cs typeface="맑은 고딕"/>
-              </a:defRPr>
-            </a:pPr>
-            <a:r>
-              <a:rPr lang="ko" sz="1100">
-                <a:latin typeface="맑은 고딕"/>
-                <a:ea typeface="맑은 고딕"/>
-                <a:cs typeface="맑은 고딕"/>
-              </a:rPr>
-              <a:t>WEB</a:t>
-            </a:r>
-          </a:p>
-        </p:txBody>
-      </p:sp>
-      <p:sp>
-        <p:nvSpPr>
-          <p:cNvPr id="411740650" name="Rectangle"/>
+          <p:cNvPr id="703732717" name="Rectangle"/>
           <p:cNvSpPr>
             <a:spLocks noGrp="1"/>
           </p:cNvSpPr>
@@ -2064,42 +1541,8 @@
         </p:nvSpPr>
         <p:spPr>
           <a:xfrm>
-            <a:off x="7277100" y="1473200"/>
-            <a:ext cx="266700" cy="787400"/>
-          </a:xfrm>
-          <a:prstGeom prst="rect">
-            <a:avLst/>
-          </a:prstGeom>
-          <a:solidFill>
-            <a:srgbClr val="FFFF00"/>
-          </a:solidFill>
-          <a:ln w="12700">
-            <a:solidFill>
-              <a:srgbClr val="000000"/>
-            </a:solidFill>
-            <a:prstDash val="solid"/>
-          </a:ln>
-        </p:spPr>
-        <p:txBody>
-          <a:bodyPr rtlCol="0" anchor="ctr"/>
-          <a:lstStyle/>
-          <a:p>
-            <a:pPr algn="ctr"/>
-          </a:p>
-        </p:txBody>
-      </p:sp>
-      <p:sp>
-        <p:nvSpPr>
-          <p:cNvPr id="37124959" name="Rectangle"/>
-          <p:cNvSpPr>
-            <a:spLocks noGrp="1"/>
-          </p:cNvSpPr>
-          <p:nvPr/>
-        </p:nvSpPr>
-        <p:spPr>
-          <a:xfrm>
-            <a:off x="7277100" y="2260600"/>
-            <a:ext cx="266700" cy="812800"/>
+            <a:off x="7086600" y="1485900"/>
+            <a:ext cx="254000" cy="787400"/>
           </a:xfrm>
           <a:prstGeom prst="rect">
             <a:avLst/>
@@ -2124,16 +1567,16 @@
       </p:sp>
       <p:sp>
         <p:nvSpPr>
-          <p:cNvPr id="1876411188" name="Text">
-    </p:cNvPr>
-          <p:cNvSpPr>
-            <a:spLocks noGrp="1"/>
-          </p:cNvSpPr>
-          <p:nvPr/>
-        </p:nvSpPr>
-        <p:spPr>
-          <a:xfrm rot="0">
-            <a:off x="190500" y="5473700"/>
+          <p:cNvPr id="245778724" name="Text">
+    </p:cNvPr>
+          <p:cNvSpPr>
+            <a:spLocks noGrp="1"/>
+          </p:cNvSpPr>
+          <p:nvPr/>
+        </p:nvSpPr>
+        <p:spPr>
+          <a:xfrm rot="0">
+            <a:off x="177800" y="5473700"/>
             <a:ext cx="2476500" cy="228600"/>
           </a:xfrm>
           <a:prstGeom prst="rect">
@@ -2173,16 +1616,16 @@
       </p:sp>
       <p:sp>
         <p:nvSpPr>
-          <p:cNvPr id="840097244" name="Text">
-    </p:cNvPr>
-          <p:cNvSpPr>
-            <a:spLocks noGrp="1"/>
-          </p:cNvSpPr>
-          <p:nvPr/>
-        </p:nvSpPr>
-        <p:spPr>
-          <a:xfrm rot="0">
-            <a:off x="6858000" y="6007100"/>
+          <p:cNvPr id="1091747100" name="Text">
+    </p:cNvPr>
+          <p:cNvSpPr>
+            <a:spLocks noGrp="1"/>
+          </p:cNvSpPr>
+          <p:nvPr/>
+        </p:nvSpPr>
+        <p:spPr>
+          <a:xfrm rot="0">
+            <a:off x="6604000" y="6007100"/>
             <a:ext cx="1651000" cy="292100"/>
           </a:xfrm>
           <a:prstGeom prst="rect">
@@ -2225,16 +1668,16 @@
       </p:sp>
       <p:sp>
         <p:nvSpPr>
-          <p:cNvPr id="2132469645" name="Text">
-    </p:cNvPr>
-          <p:cNvSpPr>
-            <a:spLocks noGrp="1"/>
-          </p:cNvSpPr>
-          <p:nvPr/>
-        </p:nvSpPr>
-        <p:spPr>
-          <a:xfrm rot="0">
-            <a:off x="2463800" y="6007100"/>
+          <p:cNvPr id="1445450874" name="Text">
+    </p:cNvPr>
+          <p:cNvSpPr>
+            <a:spLocks noGrp="1"/>
+          </p:cNvSpPr>
+          <p:nvPr/>
+        </p:nvSpPr>
+        <p:spPr>
+          <a:xfrm rot="0">
+            <a:off x="2209800" y="6007100"/>
             <a:ext cx="4394200" cy="292100"/>
           </a:xfrm>
           <a:prstGeom prst="rect">
@@ -2277,16 +1720,16 @@
       </p:sp>
       <p:sp>
         <p:nvSpPr>
-          <p:cNvPr id="1321703346" name="Text">
-    </p:cNvPr>
-          <p:cNvSpPr>
-            <a:spLocks noGrp="1"/>
-          </p:cNvSpPr>
-          <p:nvPr/>
-        </p:nvSpPr>
-        <p:spPr>
-          <a:xfrm rot="0">
-            <a:off x="381000" y="6007100"/>
+          <p:cNvPr id="1874034720" name="Text">
+    </p:cNvPr>
+          <p:cNvSpPr>
+            <a:spLocks noGrp="1"/>
+          </p:cNvSpPr>
+          <p:nvPr/>
+        </p:nvSpPr>
+        <p:spPr>
+          <a:xfrm rot="0">
+            <a:off x="127000" y="6007100"/>
             <a:ext cx="1270000" cy="292100"/>
           </a:xfrm>
           <a:prstGeom prst="rect">
@@ -2329,16 +1772,16 @@
       </p:sp>
       <p:sp>
         <p:nvSpPr>
-          <p:cNvPr id="525869885" name="Text">
-    </p:cNvPr>
-          <p:cNvSpPr>
-            <a:spLocks noGrp="1"/>
-          </p:cNvSpPr>
-          <p:nvPr/>
-        </p:nvSpPr>
-        <p:spPr>
-          <a:xfrm rot="0">
-            <a:off x="381000" y="5765800"/>
+          <p:cNvPr id="1407196059" name="Text">
+    </p:cNvPr>
+          <p:cNvSpPr>
+            <a:spLocks noGrp="1"/>
+          </p:cNvSpPr>
+          <p:nvPr/>
+        </p:nvSpPr>
+        <p:spPr>
+          <a:xfrm rot="0">
+            <a:off x="127000" y="5765800"/>
             <a:ext cx="1270000" cy="241300"/>
           </a:xfrm>
           <a:prstGeom prst="rect">
@@ -2384,16 +1827,16 @@
       </p:sp>
       <p:sp>
         <p:nvSpPr>
-          <p:cNvPr id="989917495" name="Text">
-    </p:cNvPr>
-          <p:cNvSpPr>
-            <a:spLocks noGrp="1"/>
-          </p:cNvSpPr>
-          <p:nvPr/>
-        </p:nvSpPr>
-        <p:spPr>
-          <a:xfrm rot="0">
-            <a:off x="2463800" y="5765800"/>
+          <p:cNvPr id="130987686" name="Text">
+    </p:cNvPr>
+          <p:cNvSpPr>
+            <a:spLocks noGrp="1"/>
+          </p:cNvSpPr>
+          <p:nvPr/>
+        </p:nvSpPr>
+        <p:spPr>
+          <a:xfrm rot="0">
+            <a:off x="2209800" y="5765800"/>
             <a:ext cx="4394200" cy="241300"/>
           </a:xfrm>
           <a:prstGeom prst="rect">
@@ -2439,16 +1882,16 @@
       </p:sp>
       <p:sp>
         <p:nvSpPr>
-          <p:cNvPr id="319709013" name="Text">
-    </p:cNvPr>
-          <p:cNvSpPr>
-            <a:spLocks noGrp="1"/>
-          </p:cNvSpPr>
-          <p:nvPr/>
-        </p:nvSpPr>
-        <p:spPr>
-          <a:xfrm rot="0">
-            <a:off x="6858000" y="5765800"/>
+          <p:cNvPr id="1864508961" name="Text">
+    </p:cNvPr>
+          <p:cNvSpPr>
+            <a:spLocks noGrp="1"/>
+          </p:cNvSpPr>
+          <p:nvPr/>
+        </p:nvSpPr>
+        <p:spPr>
+          <a:xfrm rot="0">
+            <a:off x="6604000" y="5765800"/>
             <a:ext cx="1651000" cy="241300"/>
           </a:xfrm>
           <a:prstGeom prst="rect">
@@ -2494,16 +1937,16 @@
       </p:sp>
       <p:sp>
         <p:nvSpPr>
-          <p:cNvPr id="1636180097" name="Text">
-    </p:cNvPr>
-          <p:cNvSpPr>
-            <a:spLocks noGrp="1"/>
-          </p:cNvSpPr>
-          <p:nvPr/>
-        </p:nvSpPr>
-        <p:spPr>
-          <a:xfrm rot="0">
-            <a:off x="381000" y="6299200"/>
+          <p:cNvPr id="484641125" name="Text">
+    </p:cNvPr>
+          <p:cNvSpPr>
+            <a:spLocks noGrp="1"/>
+          </p:cNvSpPr>
+          <p:nvPr/>
+        </p:nvSpPr>
+        <p:spPr>
+          <a:xfrm rot="0">
+            <a:off x="127000" y="6299200"/>
             <a:ext cx="1270000" cy="292100"/>
           </a:xfrm>
           <a:prstGeom prst="rect">
@@ -2546,16 +1989,16 @@
       </p:sp>
       <p:sp>
         <p:nvSpPr>
-          <p:cNvPr id="1067038279" name="Text">
-    </p:cNvPr>
-          <p:cNvSpPr>
-            <a:spLocks noGrp="1"/>
-          </p:cNvSpPr>
-          <p:nvPr/>
-        </p:nvSpPr>
-        <p:spPr>
-          <a:xfrm rot="0">
-            <a:off x="6858000" y="6299200"/>
+          <p:cNvPr id="1334633889" name="Text">
+    </p:cNvPr>
+          <p:cNvSpPr>
+            <a:spLocks noGrp="1"/>
+          </p:cNvSpPr>
+          <p:nvPr/>
+        </p:nvSpPr>
+        <p:spPr>
+          <a:xfrm rot="0">
+            <a:off x="6604000" y="6299200"/>
             <a:ext cx="1651000" cy="292100"/>
           </a:xfrm>
           <a:prstGeom prst="rect">
@@ -2598,16 +2041,16 @@
       </p:sp>
       <p:sp>
         <p:nvSpPr>
-          <p:cNvPr id="53240266" name="Text">
-    </p:cNvPr>
-          <p:cNvSpPr>
-            <a:spLocks noGrp="1"/>
-          </p:cNvSpPr>
-          <p:nvPr/>
-        </p:nvSpPr>
-        <p:spPr>
-          <a:xfrm rot="0">
-            <a:off x="2463800" y="6299200"/>
+          <p:cNvPr id="1023738224" name="Text">
+    </p:cNvPr>
+          <p:cNvSpPr>
+            <a:spLocks noGrp="1"/>
+          </p:cNvSpPr>
+          <p:nvPr/>
+        </p:nvSpPr>
+        <p:spPr>
+          <a:xfrm rot="0">
+            <a:off x="2209800" y="6299200"/>
             <a:ext cx="4394200" cy="292100"/>
           </a:xfrm>
           <a:prstGeom prst="rect">
@@ -2650,16 +2093,16 @@
       </p:sp>
       <p:sp>
         <p:nvSpPr>
-          <p:cNvPr id="1656320525" name="Text">
-    </p:cNvPr>
-          <p:cNvSpPr>
-            <a:spLocks noGrp="1"/>
-          </p:cNvSpPr>
-          <p:nvPr/>
-        </p:nvSpPr>
-        <p:spPr>
-          <a:xfrm rot="0">
-            <a:off x="1651000" y="6299200"/>
+          <p:cNvPr id="1139293151" name="Text">
+    </p:cNvPr>
+          <p:cNvSpPr>
+            <a:spLocks noGrp="1"/>
+          </p:cNvSpPr>
+          <p:nvPr/>
+        </p:nvSpPr>
+        <p:spPr>
+          <a:xfrm rot="0">
+            <a:off x="1397000" y="6299200"/>
             <a:ext cx="812800" cy="292100"/>
           </a:xfrm>
           <a:prstGeom prst="rect">
@@ -2702,16 +2145,16 @@
       </p:sp>
       <p:sp>
         <p:nvSpPr>
-          <p:cNvPr id="854312179" name="Text">
-    </p:cNvPr>
-          <p:cNvSpPr>
-            <a:spLocks noGrp="1"/>
-          </p:cNvSpPr>
-          <p:nvPr/>
-        </p:nvSpPr>
-        <p:spPr>
-          <a:xfrm rot="0">
-            <a:off x="1651000" y="6007100"/>
+          <p:cNvPr id="1204071142" name="Text">
+    </p:cNvPr>
+          <p:cNvSpPr>
+            <a:spLocks noGrp="1"/>
+          </p:cNvSpPr>
+          <p:nvPr/>
+        </p:nvSpPr>
+        <p:spPr>
+          <a:xfrm rot="0">
+            <a:off x="1397000" y="6007100"/>
             <a:ext cx="812800" cy="292100"/>
           </a:xfrm>
           <a:prstGeom prst="rect">
@@ -2754,16 +2197,16 @@
       </p:sp>
       <p:sp>
         <p:nvSpPr>
-          <p:cNvPr id="1085433703" name="Text">
-    </p:cNvPr>
-          <p:cNvSpPr>
-            <a:spLocks noGrp="1"/>
-          </p:cNvSpPr>
-          <p:nvPr/>
-        </p:nvSpPr>
-        <p:spPr>
-          <a:xfrm rot="0">
-            <a:off x="1651000" y="5765800"/>
+          <p:cNvPr id="1875766866" name="Text">
+    </p:cNvPr>
+          <p:cNvSpPr>
+            <a:spLocks noGrp="1"/>
+          </p:cNvSpPr>
+          <p:nvPr/>
+        </p:nvSpPr>
+        <p:spPr>
+          <a:xfrm rot="0">
+            <a:off x="1397000" y="5765800"/>
             <a:ext cx="812800" cy="241300"/>
           </a:xfrm>
           <a:prstGeom prst="rect">
@@ -2809,16 +2252,16 @@
       </p:sp>
       <p:sp>
         <p:nvSpPr>
-          <p:cNvPr id="544242826" name="Text">
-    </p:cNvPr>
-          <p:cNvSpPr>
-            <a:spLocks noGrp="1"/>
-          </p:cNvSpPr>
-          <p:nvPr/>
-        </p:nvSpPr>
-        <p:spPr>
-          <a:xfrm rot="0">
-            <a:off x="8509000" y="6299200"/>
+          <p:cNvPr id="2060876890" name="Text">
+    </p:cNvPr>
+          <p:cNvSpPr>
+            <a:spLocks noGrp="1"/>
+          </p:cNvSpPr>
+          <p:nvPr/>
+        </p:nvSpPr>
+        <p:spPr>
+          <a:xfrm rot="0">
+            <a:off x="8255000" y="6299200"/>
             <a:ext cx="1701800" cy="292100"/>
           </a:xfrm>
           <a:prstGeom prst="rect">
@@ -2861,16 +2304,16 @@
       </p:sp>
       <p:sp>
         <p:nvSpPr>
-          <p:cNvPr id="158358419" name="Text">
-    </p:cNvPr>
-          <p:cNvSpPr>
-            <a:spLocks noGrp="1"/>
-          </p:cNvSpPr>
-          <p:nvPr/>
-        </p:nvSpPr>
-        <p:spPr>
-          <a:xfrm rot="0">
-            <a:off x="8509000" y="5765800"/>
+          <p:cNvPr id="2019726876" name="Text">
+    </p:cNvPr>
+          <p:cNvSpPr>
+            <a:spLocks noGrp="1"/>
+          </p:cNvSpPr>
+          <p:nvPr/>
+        </p:nvSpPr>
+        <p:spPr>
+          <a:xfrm rot="0">
+            <a:off x="8255000" y="5765800"/>
             <a:ext cx="1701800" cy="241300"/>
           </a:xfrm>
           <a:prstGeom prst="rect">
@@ -2916,16 +2359,16 @@
       </p:sp>
       <p:sp>
         <p:nvSpPr>
-          <p:cNvPr id="1708186130" name="Text">
-    </p:cNvPr>
-          <p:cNvSpPr>
-            <a:spLocks noGrp="1"/>
-          </p:cNvSpPr>
-          <p:nvPr/>
-        </p:nvSpPr>
-        <p:spPr>
-          <a:xfrm rot="0">
-            <a:off x="8509000" y="6007100"/>
+          <p:cNvPr id="445878380" name="Text">
+    </p:cNvPr>
+          <p:cNvSpPr>
+            <a:spLocks noGrp="1"/>
+          </p:cNvSpPr>
+          <p:nvPr/>
+        </p:nvSpPr>
+        <p:spPr>
+          <a:xfrm rot="0">
+            <a:off x="8255000" y="6007100"/>
             <a:ext cx="1701800" cy="292100"/>
           </a:xfrm>
           <a:prstGeom prst="rect">
@@ -2968,76 +2411,1273 @@
       </p:sp>
       <p:sp>
         <p:nvSpPr>
-          <p:cNvPr id="915017872" name="Text">
-    </p:cNvPr>
-          <p:cNvSpPr>
-            <a:spLocks noGrp="1"/>
-          </p:cNvSpPr>
-          <p:nvPr/>
-        </p:nvSpPr>
-        <p:spPr>
-          <a:xfrm rot="0">
-            <a:off x="4826000" y="6921500"/>
-            <a:ext cx="1270000" cy="381000"/>
-          </a:xfrm>
-          <a:prstGeom prst="rect">
-            <a:avLst/>
-          </a:prstGeom>
-        </p:spPr>
-        <p:txBody>
-          <a:bodyPr wrap="square" lIns="0" tIns="0" rIns="0" bIns="0" rtlCol="0" anchor="b"/>
+          <p:cNvPr id="1064265633" name="Text">
+    </p:cNvPr>
+          <p:cNvSpPr>
+            <a:spLocks noGrp="1"/>
+          </p:cNvSpPr>
+          <p:nvPr/>
+        </p:nvSpPr>
+        <p:spPr>
+          <a:xfrm rot="0">
+            <a:off x="901700" y="3771900"/>
+            <a:ext cx="4648200" cy="800100"/>
+          </a:xfrm>
+          <a:prstGeom prst="rect">
+            <a:avLst/>
+          </a:prstGeom>
+          <a:ln w="12700">
+            <a:solidFill>
+              <a:srgbClr val="000000"/>
+            </a:solidFill>
+            <a:prstDash val="solid"/>
+          </a:ln>
+        </p:spPr>
+        <p:txBody>
+          <a:bodyPr wrap="square" lIns="0" tIns="0" rIns="0" bIns="0" rtlCol="0" anchor="t"/>
+          <a:lstStyle/>
+          <a:p>
+            <a:pPr algn="l">
+              <a:lnSpc>
+                <a:spcPct val="100%"/>
+              </a:lnSpc>
+              <a:defRPr sz="900">
+                <a:solidFill>
+                  <a:srgbClr val="000000"/>
+                </a:solidFill>
+                <a:latin typeface="맑은 고딕"/>
+                <a:ea typeface="맑은 고딕"/>
+                <a:cs typeface="맑은 고딕"/>
+              </a:defRPr>
+            </a:pPr>
+            <a:r>
+              <a:rPr lang="ko" sz="900">
+                <a:latin typeface="맑은 고딕"/>
+                <a:ea typeface="맑은 고딕"/>
+                <a:cs typeface="맑은 고딕"/>
+              </a:rPr>
+              <a:t> </a:t>
+            </a:r>
+          </a:p>
+        </p:txBody>
+      </p:sp>
+      <p:sp>
+        <p:nvSpPr>
+          <p:cNvPr id="972656848" name="Text">
+    </p:cNvPr>
+          <p:cNvSpPr>
+            <a:spLocks noGrp="1"/>
+          </p:cNvSpPr>
+          <p:nvPr/>
+        </p:nvSpPr>
+        <p:spPr>
+          <a:xfrm rot="0">
+            <a:off x="901700" y="4572000"/>
+            <a:ext cx="4648200" cy="800100"/>
+          </a:xfrm>
+          <a:prstGeom prst="rect">
+            <a:avLst/>
+          </a:prstGeom>
+          <a:ln w="12700">
+            <a:solidFill>
+              <a:srgbClr val="000000"/>
+            </a:solidFill>
+            <a:prstDash val="solid"/>
+          </a:ln>
+        </p:spPr>
+        <p:txBody>
+          <a:bodyPr wrap="square" lIns="0" tIns="0" rIns="0" bIns="0" rtlCol="0" anchor="t"/>
+          <a:lstStyle/>
+          <a:p>
+            <a:pPr algn="l">
+              <a:lnSpc>
+                <a:spcPct val="100%"/>
+              </a:lnSpc>
+              <a:defRPr sz="900">
+                <a:solidFill>
+                  <a:srgbClr val="000000"/>
+                </a:solidFill>
+                <a:latin typeface="맑은 고딕"/>
+                <a:ea typeface="맑은 고딕"/>
+                <a:cs typeface="맑은 고딕"/>
+              </a:defRPr>
+            </a:pPr>
+            <a:r>
+              <a:rPr lang="ko" sz="900">
+                <a:latin typeface="맑은 고딕"/>
+                <a:ea typeface="맑은 고딕"/>
+                <a:cs typeface="맑은 고딕"/>
+              </a:rPr>
+              <a:t> </a:t>
+            </a:r>
+          </a:p>
+        </p:txBody>
+      </p:sp>
+      <p:sp>
+        <p:nvSpPr>
+          <p:cNvPr id="1094543679" name="Text">
+    </p:cNvPr>
+          <p:cNvSpPr>
+            <a:spLocks noGrp="1"/>
+          </p:cNvSpPr>
+          <p:nvPr/>
+        </p:nvSpPr>
+        <p:spPr>
+          <a:xfrm rot="0">
+            <a:off x="6350000" y="3771900"/>
+            <a:ext cx="3644900" cy="800100"/>
+          </a:xfrm>
+          <a:prstGeom prst="rect">
+            <a:avLst/>
+          </a:prstGeom>
+          <a:ln w="12700">
+            <a:solidFill>
+              <a:srgbClr val="000000"/>
+            </a:solidFill>
+            <a:prstDash val="solid"/>
+          </a:ln>
+        </p:spPr>
+        <p:txBody>
+          <a:bodyPr wrap="square" lIns="0" tIns="0" rIns="0" bIns="0" rtlCol="0" anchor="t"/>
+          <a:lstStyle/>
+          <a:p>
+            <a:pPr algn="l">
+              <a:lnSpc>
+                <a:spcPct val="100%"/>
+              </a:lnSpc>
+              <a:defRPr sz="900">
+                <a:solidFill>
+                  <a:srgbClr val="000000"/>
+                </a:solidFill>
+                <a:latin typeface="맑은 고딕"/>
+                <a:ea typeface="맑은 고딕"/>
+                <a:cs typeface="맑은 고딕"/>
+              </a:defRPr>
+            </a:pPr>
+            <a:r>
+              <a:rPr lang="ko" sz="900">
+                <a:latin typeface="맑은 고딕"/>
+                <a:ea typeface="맑은 고딕"/>
+                <a:cs typeface="맑은 고딕"/>
+              </a:rPr>
+              <a:t> </a:t>
+            </a:r>
+          </a:p>
+        </p:txBody>
+      </p:sp>
+      <p:sp>
+        <p:nvSpPr>
+          <p:cNvPr id="477904120" name="Text">
+    </p:cNvPr>
+          <p:cNvSpPr>
+            <a:spLocks noGrp="1"/>
+          </p:cNvSpPr>
+          <p:nvPr/>
+        </p:nvSpPr>
+        <p:spPr>
+          <a:xfrm rot="0">
+            <a:off x="6350000" y="4572000"/>
+            <a:ext cx="3644900" cy="800100"/>
+          </a:xfrm>
+          <a:prstGeom prst="rect">
+            <a:avLst/>
+          </a:prstGeom>
+          <a:ln w="12700">
+            <a:solidFill>
+              <a:srgbClr val="000000"/>
+            </a:solidFill>
+            <a:prstDash val="solid"/>
+          </a:ln>
+        </p:spPr>
+        <p:txBody>
+          <a:bodyPr wrap="square" lIns="0" tIns="0" rIns="0" bIns="0" rtlCol="0" anchor="t"/>
+          <a:lstStyle/>
+          <a:p>
+            <a:pPr algn="l">
+              <a:lnSpc>
+                <a:spcPct val="100%"/>
+              </a:lnSpc>
+              <a:defRPr sz="900">
+                <a:solidFill>
+                  <a:srgbClr val="000000"/>
+                </a:solidFill>
+                <a:latin typeface="맑은 고딕"/>
+                <a:ea typeface="맑은 고딕"/>
+                <a:cs typeface="맑은 고딕"/>
+              </a:defRPr>
+            </a:pPr>
+            <a:r>
+              <a:rPr lang="ko" sz="900">
+                <a:latin typeface="맑은 고딕"/>
+                <a:ea typeface="맑은 고딕"/>
+                <a:cs typeface="맑은 고딕"/>
+              </a:rPr>
+              <a:t> </a:t>
+            </a:r>
+          </a:p>
+        </p:txBody>
+      </p:sp>
+      <p:sp>
+        <p:nvSpPr>
+          <p:cNvPr id="1491735225" name="Text">
+    </p:cNvPr>
+          <p:cNvSpPr>
+            <a:spLocks noGrp="1"/>
+          </p:cNvSpPr>
+          <p:nvPr/>
+        </p:nvSpPr>
+        <p:spPr>
+          <a:xfrm rot="0">
+            <a:off x="5549900" y="3771900"/>
+            <a:ext cx="800100" cy="800100"/>
+          </a:xfrm>
+          <a:prstGeom prst="rect">
+            <a:avLst/>
+          </a:prstGeom>
+          <a:ln w="12700">
+            <a:solidFill>
+              <a:srgbClr val="000000"/>
+            </a:solidFill>
+            <a:prstDash val="solid"/>
+          </a:ln>
+        </p:spPr>
+        <p:txBody>
+          <a:bodyPr wrap="square" lIns="0" tIns="0" rIns="0" bIns="0" rtlCol="0" anchor="t"/>
           <a:lstStyle/>
           <a:p>
             <a:pPr algn="ctr">
               <a:lnSpc>
                 <a:spcPct val="100%"/>
               </a:lnSpc>
-              <a:defRPr sz="1000" b="1">
-                <a:solidFill>
-                  <a:srgbClr val="000000"/>
-                </a:solidFill>
-                <a:latin typeface="SansSerif"/>
-                <a:ea typeface="SansSerif"/>
-                <a:cs typeface="SansSerif"/>
-              </a:defRPr>
-            </a:pPr>
-            <a:r>
-              <a:rPr lang="ko" sz="1000" b="1">
-                <a:latin typeface="SansSerif"/>
-                <a:ea typeface="SansSerif"/>
-                <a:cs typeface="SansSerif"/>
-              </a:rPr>
-              <a:t>4</a:t>
-            </a:r>
-          </a:p>
-        </p:txBody>
-      </p:sp>
-      <p:pic>
-        <p:nvPicPr>
-          <p:cNvPr id="462494500" name="Picture">
-    </p:cNvPr>
-          <p:cNvPicPr>
-            <a:picLocks noChangeAspect="1"/>
-          </p:cNvPicPr>
-          <p:nvPr/>
-        </p:nvPicPr>
-        <p:blipFill>
-          <a:blip r:embed="img_0_0_55.jpg"/>
-          <a:srcRect/>
-          <a:stretch>
-            <a:fillRect l="0" t="0" r="0" b="5555"/>
-          </a:stretch>
-        </p:blipFill>
-        <p:spPr>
-          <a:xfrm rot="0">
-            <a:off x="254000" y="6845300"/>
-            <a:ext cx="1143000" cy="457200"/>
-          </a:xfrm>
-          <a:prstGeom prst="rect">
-            <a:avLst/>
-          </a:prstGeom>
-        </p:spPr>
-      </p:pic>
+              <a:defRPr sz="900">
+                <a:solidFill>
+                  <a:srgbClr val="000000"/>
+                </a:solidFill>
+                <a:latin typeface="맑은 고딕"/>
+                <a:ea typeface="맑은 고딕"/>
+                <a:cs typeface="맑은 고딕"/>
+              </a:defRPr>
+            </a:pPr>
+            <a:r>
+              <a:rPr lang="ko" sz="900">
+                <a:latin typeface="맑은 고딕"/>
+                <a:ea typeface="맑은 고딕"/>
+                <a:cs typeface="맑은 고딕"/>
+              </a:rPr>
+              <a:t> </a:t>
+            </a:r>
+          </a:p>
+        </p:txBody>
+      </p:sp>
+      <p:sp>
+        <p:nvSpPr>
+          <p:cNvPr id="761296484" name="Text">
+    </p:cNvPr>
+          <p:cNvSpPr>
+            <a:spLocks noGrp="1"/>
+          </p:cNvSpPr>
+          <p:nvPr/>
+        </p:nvSpPr>
+        <p:spPr>
+          <a:xfrm rot="0">
+            <a:off x="5549900" y="4572000"/>
+            <a:ext cx="800100" cy="800100"/>
+          </a:xfrm>
+          <a:prstGeom prst="rect">
+            <a:avLst/>
+          </a:prstGeom>
+          <a:ln w="12700">
+            <a:solidFill>
+              <a:srgbClr val="000000"/>
+            </a:solidFill>
+            <a:prstDash val="solid"/>
+          </a:ln>
+        </p:spPr>
+        <p:txBody>
+          <a:bodyPr wrap="square" lIns="0" tIns="0" rIns="0" bIns="0" rtlCol="0" anchor="t"/>
+          <a:lstStyle/>
+          <a:p>
+            <a:pPr algn="ctr">
+              <a:lnSpc>
+                <a:spcPct val="100%"/>
+              </a:lnSpc>
+              <a:defRPr sz="900">
+                <a:solidFill>
+                  <a:srgbClr val="000000"/>
+                </a:solidFill>
+                <a:latin typeface="맑은 고딕"/>
+                <a:ea typeface="맑은 고딕"/>
+                <a:cs typeface="맑은 고딕"/>
+              </a:defRPr>
+            </a:pPr>
+            <a:r>
+              <a:rPr lang="ko" sz="900">
+                <a:latin typeface="맑은 고딕"/>
+                <a:ea typeface="맑은 고딕"/>
+                <a:cs typeface="맑은 고딕"/>
+              </a:rPr>
+              <a:t> </a:t>
+            </a:r>
+          </a:p>
+        </p:txBody>
+      </p:sp>
+      <p:sp>
+        <p:nvSpPr>
+          <p:cNvPr id="121538150" name="Frame"/>
+          <p:cNvSpPr>
+            <a:spLocks noGrp="1"/>
+          </p:cNvSpPr>
+          <p:nvPr/>
+        </p:nvSpPr>
+        <p:spPr>
+          <a:xfrm>
+            <a:off x="152400" y="1485900"/>
+            <a:ext cx="9842500" cy="1638300"/>
+          </a:xfrm>
+          <a:prstGeom prst="rect">
+            <a:avLst/>
+          </a:prstGeom>
+        </p:spPr>
+        <p:txBody>
+          <a:bodyPr rtlCol="0" anchor="ctr"/>
+          <a:lstStyle/>
+          <a:p>
+            <a:pPr algn="ctr"/>
+          </a:p>
+        </p:txBody>
+      </p:sp>
+      <p:sp>
+        <p:nvSpPr>
+          <p:cNvPr id="2061037957" name="Text">
+    </p:cNvPr>
+          <p:cNvSpPr>
+            <a:spLocks noGrp="1"/>
+          </p:cNvSpPr>
+          <p:nvPr/>
+        </p:nvSpPr>
+        <p:spPr>
+          <a:xfrm rot="0">
+            <a:off x="152400" y="1485900"/>
+            <a:ext cx="749300" cy="787400"/>
+          </a:xfrm>
+          <a:prstGeom prst="rect">
+            <a:avLst/>
+          </a:prstGeom>
+          <a:ln w="12700">
+            <a:solidFill>
+              <a:srgbClr val="000000"/>
+            </a:solidFill>
+            <a:prstDash val="solid"/>
+          </a:ln>
+        </p:spPr>
+        <p:txBody>
+          <a:bodyPr wrap="square" lIns="0" tIns="0" rIns="0" bIns="0" rtlCol="0" anchor="ctr"/>
+          <a:lstStyle/>
+          <a:p>
+            <a:pPr algn="ctr">
+              <a:lnSpc>
+                <a:spcPct val="100%"/>
+              </a:lnSpc>
+              <a:defRPr sz="1000">
+                <a:solidFill>
+                  <a:srgbClr val="000000"/>
+                </a:solidFill>
+                <a:latin typeface="맑은 고딕"/>
+                <a:ea typeface="맑은 고딕"/>
+                <a:cs typeface="맑은 고딕"/>
+              </a:defRPr>
+            </a:pPr>
+            <a:r>
+              <a:rPr lang="ko" sz="1000">
+                <a:latin typeface="맑은 고딕"/>
+                <a:ea typeface="맑은 고딕"/>
+                <a:cs typeface="맑은 고딕"/>
+              </a:rPr>
+              <a:t>ERP</a:t>
+            </a:r>
+          </a:p>
+        </p:txBody>
+      </p:sp>
+      <p:sp>
+        <p:nvSpPr>
+          <p:cNvPr id="1924090813" name="Text">
+    </p:cNvPr>
+          <p:cNvSpPr>
+            <a:spLocks noGrp="1"/>
+          </p:cNvSpPr>
+          <p:nvPr/>
+        </p:nvSpPr>
+        <p:spPr>
+          <a:xfrm rot="0">
+            <a:off x="1028700" y="1562100"/>
+            <a:ext cx="4521200" cy="749300"/>
+          </a:xfrm>
+          <a:prstGeom prst="rect">
+            <a:avLst/>
+          </a:prstGeom>
+        </p:spPr>
+        <p:txBody>
+          <a:bodyPr wrap="square" lIns="0" tIns="0" rIns="0" bIns="0" rtlCol="0" anchor="t"/>
+          <a:lstStyle/>
+          <a:p>
+            <a:pPr algn="l">
+              <a:lnSpc>
+                <a:spcPct val="100%"/>
+              </a:lnSpc>
+              <a:defRPr sz="900">
+                <a:solidFill>
+                  <a:srgbClr val="000000"/>
+                </a:solidFill>
+                <a:latin typeface="맑은 고딕"/>
+                <a:ea typeface="맑은 고딕"/>
+                <a:cs typeface="맑은 고딕"/>
+              </a:defRPr>
+            </a:pPr>
+            <a:r>
+              <a:rPr lang="ko" sz="900">
+                <a:latin typeface="맑은 고딕"/>
+                <a:ea typeface="맑은 고딕"/>
+                <a:cs typeface="맑은 고딕"/>
+              </a:rPr>
+              <a:t>MRO 자재 단가계약요청 (문서유형 Z7)시 플랜트 체크 로직 추가</a:t>
+            </a:r>
+            <a:br/>
+            <a:r>
+              <a:rPr lang="ko" sz="900">
+                <a:latin typeface="맑은 고딕"/>
+                <a:ea typeface="맑은 고딕"/>
+                <a:cs typeface="맑은 고딕"/>
+              </a:rPr>
+              <a:t>* 단가계약요청 PR 생성시 플랜트 체크 로직 추가</a:t>
+            </a:r>
+            <a:br/>
+            <a:r>
+              <a:rPr lang="ko" sz="900">
+                <a:latin typeface="맑은 고딕"/>
+                <a:ea typeface="맑은 고딕"/>
+                <a:cs typeface="맑은 고딕"/>
+              </a:rPr>
+              <a:t>검교정 실험장비 관리 프로그램 첨부파일 업로드 기능 추가 ( ZFIR9900 )</a:t>
+            </a:r>
+            <a:br/>
+            <a:r>
+              <a:rPr lang="ko" sz="900">
+                <a:latin typeface="맑은 고딕"/>
+                <a:ea typeface="맑은 고딕"/>
+                <a:cs typeface="맑은 고딕"/>
+              </a:rPr>
+              <a:t>외화지급처 송금계좌정보 등록/추가/지급보류 해제 신청서 개선 요청</a:t>
+            </a:r>
+            <a:br/>
+            <a:r>
+              <a:rPr lang="ko" sz="900">
+                <a:latin typeface="맑은 고딕"/>
+                <a:ea typeface="맑은 고딕"/>
+                <a:cs typeface="맑은 고딕"/>
+              </a:rPr>
+              <a:t>ERP운영 ＇23년 1월 마감관련 재무재표 Overflow 에러 발생건 Notes 적용작업</a:t>
+            </a:r>
+          </a:p>
+        </p:txBody>
+      </p:sp>
+      <p:sp>
+        <p:nvSpPr>
+          <p:cNvPr id="1557319898" name="Text">
+    </p:cNvPr>
+          <p:cNvSpPr>
+            <a:spLocks noGrp="1"/>
+          </p:cNvSpPr>
+          <p:nvPr/>
+        </p:nvSpPr>
+        <p:spPr>
+          <a:xfrm rot="0">
+            <a:off x="7442200" y="1562100"/>
+            <a:ext cx="2552700" cy="711200"/>
+          </a:xfrm>
+          <a:prstGeom prst="rect">
+            <a:avLst/>
+          </a:prstGeom>
+        </p:spPr>
+        <p:txBody>
+          <a:bodyPr wrap="square" lIns="0" tIns="0" rIns="0" bIns="0" rtlCol="0" anchor="t"/>
+          <a:lstStyle/>
+          <a:p>
+            <a:pPr algn="l">
+              <a:lnSpc>
+                <a:spcPct val="100%"/>
+              </a:lnSpc>
+              <a:defRPr sz="900">
+                <a:solidFill>
+                  <a:srgbClr val="000000"/>
+                </a:solidFill>
+                <a:latin typeface="맑은 고딕"/>
+                <a:ea typeface="맑은 고딕"/>
+                <a:cs typeface="맑은 고딕"/>
+              </a:defRPr>
+            </a:pPr>
+          </a:p>
+        </p:txBody>
+      </p:sp>
+      <p:sp>
+        <p:nvSpPr>
+          <p:cNvPr id="799826064" name="Text">
+    </p:cNvPr>
+          <p:cNvSpPr>
+            <a:spLocks noGrp="1"/>
+          </p:cNvSpPr>
+          <p:nvPr/>
+        </p:nvSpPr>
+        <p:spPr>
+          <a:xfrm rot="0">
+            <a:off x="6324600" y="1485900"/>
+            <a:ext cx="762000" cy="787400"/>
+          </a:xfrm>
+          <a:prstGeom prst="rect">
+            <a:avLst/>
+          </a:prstGeom>
+          <a:ln w="12700">
+            <a:solidFill>
+              <a:srgbClr val="000000"/>
+            </a:solidFill>
+            <a:prstDash val="solid"/>
+          </a:ln>
+        </p:spPr>
+        <p:txBody>
+          <a:bodyPr wrap="square" lIns="0" tIns="0" rIns="0" bIns="0" rtlCol="0" anchor="ctr"/>
+          <a:lstStyle/>
+          <a:p>
+            <a:pPr algn="ctr">
+              <a:lnSpc>
+                <a:spcPct val="100%"/>
+              </a:lnSpc>
+              <a:defRPr sz="900">
+                <a:solidFill>
+                  <a:srgbClr val="000000"/>
+                </a:solidFill>
+                <a:latin typeface="맑은 고딕"/>
+                <a:ea typeface="맑은 고딕"/>
+                <a:cs typeface="맑은 고딕"/>
+              </a:defRPr>
+            </a:pPr>
+            <a:r>
+              <a:rPr lang="ko" sz="900">
+                <a:latin typeface="맑은 고딕"/>
+                <a:ea typeface="맑은 고딕"/>
+                <a:cs typeface="맑은 고딕"/>
+              </a:rPr>
+              <a:t>완료</a:t>
+            </a:r>
+          </a:p>
+        </p:txBody>
+      </p:sp>
+      <p:sp>
+        <p:nvSpPr>
+          <p:cNvPr id="314959929" name="Text">
+    </p:cNvPr>
+          <p:cNvSpPr>
+            <a:spLocks noGrp="1"/>
+          </p:cNvSpPr>
+          <p:nvPr/>
+        </p:nvSpPr>
+        <p:spPr>
+          <a:xfrm rot="0">
+            <a:off x="5549900" y="1562100"/>
+            <a:ext cx="774700" cy="749300"/>
+          </a:xfrm>
+          <a:prstGeom prst="rect">
+            <a:avLst/>
+          </a:prstGeom>
+        </p:spPr>
+        <p:txBody>
+          <a:bodyPr wrap="square" lIns="0" tIns="0" rIns="0" bIns="0" rtlCol="0" anchor="t"/>
+          <a:lstStyle/>
+          <a:p>
+            <a:pPr algn="ctr">
+              <a:lnSpc>
+                <a:spcPct val="100%"/>
+              </a:lnSpc>
+              <a:defRPr sz="900">
+                <a:solidFill>
+                  <a:srgbClr val="000000"/>
+                </a:solidFill>
+                <a:latin typeface="맑은 고딕"/>
+                <a:ea typeface="맑은 고딕"/>
+                <a:cs typeface="맑은 고딕"/>
+              </a:defRPr>
+            </a:pPr>
+            <a:r>
+              <a:rPr lang="ko" sz="900">
+                <a:latin typeface="맑은 고딕"/>
+                <a:ea typeface="맑은 고딕"/>
+                <a:cs typeface="맑은 고딕"/>
+              </a:rPr>
+              <a:t>02/13</a:t>
+            </a:r>
+            <a:br/>
+            <a:br/>
+            <a:r>
+              <a:rPr lang="ko" sz="900">
+                <a:latin typeface="맑은 고딕"/>
+                <a:ea typeface="맑은 고딕"/>
+                <a:cs typeface="맑은 고딕"/>
+              </a:rPr>
+              <a:t>02/15</a:t>
+            </a:r>
+            <a:br/>
+            <a:r>
+              <a:rPr lang="ko" sz="900">
+                <a:latin typeface="맑은 고딕"/>
+                <a:ea typeface="맑은 고딕"/>
+                <a:cs typeface="맑은 고딕"/>
+              </a:rPr>
+              <a:t>02/15</a:t>
+            </a:r>
+            <a:br/>
+            <a:r>
+              <a:rPr lang="ko" sz="900">
+                <a:latin typeface="맑은 고딕"/>
+                <a:ea typeface="맑은 고딕"/>
+                <a:cs typeface="맑은 고딕"/>
+              </a:rPr>
+              <a:t>02/15</a:t>
+            </a:r>
+          </a:p>
+        </p:txBody>
+      </p:sp>
+      <p:sp>
+        <p:nvSpPr>
+          <p:cNvPr id="448772991" name="Text">
+    </p:cNvPr>
+          <p:cNvSpPr>
+            <a:spLocks noGrp="1"/>
+          </p:cNvSpPr>
+          <p:nvPr/>
+        </p:nvSpPr>
+        <p:spPr>
+          <a:xfrm rot="0">
+            <a:off x="901700" y="1485900"/>
+            <a:ext cx="4648200" cy="787400"/>
+          </a:xfrm>
+          <a:prstGeom prst="rect">
+            <a:avLst/>
+          </a:prstGeom>
+          <a:ln w="12700">
+            <a:solidFill>
+              <a:srgbClr val="000000"/>
+            </a:solidFill>
+            <a:prstDash val="solid"/>
+          </a:ln>
+        </p:spPr>
+        <p:txBody>
+          <a:bodyPr wrap="square" lIns="0" tIns="0" rIns="0" bIns="0" rtlCol="0" anchor="t"/>
+          <a:lstStyle/>
+          <a:p>
+            <a:pPr algn="l">
+              <a:lnSpc>
+                <a:spcPct val="100%"/>
+              </a:lnSpc>
+              <a:defRPr sz="900">
+                <a:solidFill>
+                  <a:srgbClr val="000000"/>
+                </a:solidFill>
+                <a:latin typeface="맑은 고딕"/>
+                <a:ea typeface="맑은 고딕"/>
+                <a:cs typeface="맑은 고딕"/>
+              </a:defRPr>
+            </a:pPr>
+            <a:r>
+              <a:rPr lang="ko" sz="900">
+                <a:latin typeface="맑은 고딕"/>
+                <a:ea typeface="맑은 고딕"/>
+                <a:cs typeface="맑은 고딕"/>
+              </a:rPr>
+              <a:t> </a:t>
+            </a:r>
+          </a:p>
+        </p:txBody>
+      </p:sp>
+      <p:sp>
+        <p:nvSpPr>
+          <p:cNvPr id="1344404722" name="Text">
+    </p:cNvPr>
+          <p:cNvSpPr>
+            <a:spLocks noGrp="1"/>
+          </p:cNvSpPr>
+          <p:nvPr/>
+        </p:nvSpPr>
+        <p:spPr>
+          <a:xfrm rot="0">
+            <a:off x="7340600" y="1485900"/>
+            <a:ext cx="2654300" cy="787400"/>
+          </a:xfrm>
+          <a:prstGeom prst="rect">
+            <a:avLst/>
+          </a:prstGeom>
+          <a:ln w="12700">
+            <a:solidFill>
+              <a:srgbClr val="000000"/>
+            </a:solidFill>
+            <a:prstDash val="solid"/>
+          </a:ln>
+        </p:spPr>
+        <p:txBody>
+          <a:bodyPr wrap="square" lIns="0" tIns="0" rIns="0" bIns="0" rtlCol="0" anchor="t"/>
+          <a:lstStyle/>
+          <a:p>
+            <a:pPr algn="l">
+              <a:lnSpc>
+                <a:spcPct val="100%"/>
+              </a:lnSpc>
+              <a:defRPr sz="900">
+                <a:solidFill>
+                  <a:srgbClr val="000000"/>
+                </a:solidFill>
+                <a:latin typeface="맑은 고딕"/>
+                <a:ea typeface="맑은 고딕"/>
+                <a:cs typeface="맑은 고딕"/>
+              </a:defRPr>
+            </a:pPr>
+            <a:r>
+              <a:rPr lang="ko" sz="900">
+                <a:latin typeface="맑은 고딕"/>
+                <a:ea typeface="맑은 고딕"/>
+                <a:cs typeface="맑은 고딕"/>
+              </a:rPr>
+              <a:t> </a:t>
+            </a:r>
+          </a:p>
+        </p:txBody>
+      </p:sp>
+      <p:sp>
+        <p:nvSpPr>
+          <p:cNvPr id="482721414" name="Text">
+    </p:cNvPr>
+          <p:cNvSpPr>
+            <a:spLocks noGrp="1"/>
+          </p:cNvSpPr>
+          <p:nvPr/>
+        </p:nvSpPr>
+        <p:spPr>
+          <a:xfrm rot="0">
+            <a:off x="5549900" y="1485900"/>
+            <a:ext cx="774700" cy="787400"/>
+          </a:xfrm>
+          <a:prstGeom prst="rect">
+            <a:avLst/>
+          </a:prstGeom>
+          <a:ln w="12700">
+            <a:solidFill>
+              <a:srgbClr val="000000"/>
+            </a:solidFill>
+            <a:prstDash val="solid"/>
+          </a:ln>
+        </p:spPr>
+        <p:txBody>
+          <a:bodyPr wrap="square" lIns="0" tIns="0" rIns="0" bIns="0" rtlCol="0" anchor="t"/>
+          <a:lstStyle/>
+          <a:p>
+            <a:pPr algn="ctr">
+              <a:lnSpc>
+                <a:spcPct val="100%"/>
+              </a:lnSpc>
+              <a:defRPr sz="900">
+                <a:solidFill>
+                  <a:srgbClr val="000000"/>
+                </a:solidFill>
+                <a:latin typeface="맑은 고딕"/>
+                <a:ea typeface="맑은 고딕"/>
+                <a:cs typeface="맑은 고딕"/>
+              </a:defRPr>
+            </a:pPr>
+            <a:r>
+              <a:rPr lang="ko" sz="900">
+                <a:latin typeface="맑은 고딕"/>
+                <a:ea typeface="맑은 고딕"/>
+                <a:cs typeface="맑은 고딕"/>
+              </a:rPr>
+              <a:t> </a:t>
+            </a:r>
+          </a:p>
+        </p:txBody>
+      </p:sp>
+      <p:sp>
+        <p:nvSpPr>
+          <p:cNvPr id="561780999" name="Text">
+    </p:cNvPr>
+          <p:cNvSpPr>
+            <a:spLocks noGrp="1"/>
+          </p:cNvSpPr>
+          <p:nvPr/>
+        </p:nvSpPr>
+        <p:spPr>
+          <a:xfrm rot="0">
+            <a:off x="152400" y="2273300"/>
+            <a:ext cx="749300" cy="812800"/>
+          </a:xfrm>
+          <a:prstGeom prst="rect">
+            <a:avLst/>
+          </a:prstGeom>
+          <a:ln w="12700">
+            <a:solidFill>
+              <a:srgbClr val="000000"/>
+            </a:solidFill>
+            <a:prstDash val="solid"/>
+          </a:ln>
+        </p:spPr>
+        <p:txBody>
+          <a:bodyPr wrap="square" lIns="0" tIns="0" rIns="0" bIns="0" rtlCol="0" anchor="ctr"/>
+          <a:lstStyle/>
+          <a:p>
+            <a:pPr algn="ctr">
+              <a:lnSpc>
+                <a:spcPct val="100%"/>
+              </a:lnSpc>
+              <a:defRPr sz="1000">
+                <a:solidFill>
+                  <a:srgbClr val="000000"/>
+                </a:solidFill>
+                <a:latin typeface="맑은 고딕"/>
+                <a:ea typeface="맑은 고딕"/>
+                <a:cs typeface="맑은 고딕"/>
+              </a:defRPr>
+            </a:pPr>
+            <a:r>
+              <a:rPr lang="ko" sz="1000">
+                <a:latin typeface="맑은 고딕"/>
+                <a:ea typeface="맑은 고딕"/>
+                <a:cs typeface="맑은 고딕"/>
+              </a:rPr>
+              <a:t>WEB</a:t>
+            </a:r>
+          </a:p>
+        </p:txBody>
+      </p:sp>
+      <p:sp>
+        <p:nvSpPr>
+          <p:cNvPr id="1182743060" name="Text">
+    </p:cNvPr>
+          <p:cNvSpPr>
+            <a:spLocks noGrp="1"/>
+          </p:cNvSpPr>
+          <p:nvPr/>
+        </p:nvSpPr>
+        <p:spPr>
+          <a:xfrm rot="0">
+            <a:off x="1028700" y="2324100"/>
+            <a:ext cx="4521200" cy="762000"/>
+          </a:xfrm>
+          <a:prstGeom prst="rect">
+            <a:avLst/>
+          </a:prstGeom>
+        </p:spPr>
+        <p:txBody>
+          <a:bodyPr wrap="square" lIns="0" tIns="0" rIns="0" bIns="0" rtlCol="0" anchor="t"/>
+          <a:lstStyle/>
+          <a:p>
+            <a:pPr algn="l">
+              <a:lnSpc>
+                <a:spcPct val="100%"/>
+              </a:lnSpc>
+              <a:defRPr sz="900">
+                <a:solidFill>
+                  <a:srgbClr val="000000"/>
+                </a:solidFill>
+                <a:latin typeface="맑은 고딕"/>
+                <a:ea typeface="맑은 고딕"/>
+                <a:cs typeface="맑은 고딕"/>
+              </a:defRPr>
+            </a:pPr>
+            <a:r>
+              <a:rPr lang="ko" sz="900">
+                <a:latin typeface="맑은 고딕"/>
+                <a:ea typeface="맑은 고딕"/>
+                <a:cs typeface="맑은 고딕"/>
+              </a:rPr>
+              <a:t>[PRM] PR 작성시 SAP 에서 발주처 코드 필수값 입력 요청</a:t>
+            </a:r>
+            <a:br/>
+            <a:r>
+              <a:rPr lang="ko" sz="900">
+                <a:latin typeface="맑은 고딕"/>
+                <a:ea typeface="맑은 고딕"/>
+                <a:cs typeface="맑은 고딕"/>
+              </a:rPr>
+              <a:t>[EAI] CRM 일일판매현황전송 인터페이스 에러 확인 및 EAI수정</a:t>
+            </a:r>
+            <a:br/>
+            <a:r>
+              <a:rPr lang="ko" sz="900">
+                <a:latin typeface="맑은 고딕"/>
+                <a:ea typeface="맑은 고딕"/>
+                <a:cs typeface="맑은 고딕"/>
+              </a:rPr>
+              <a:t>[E-Approval] 특근명령서 및 특근확인서 전자증빙 기능 추가 요청</a:t>
+            </a:r>
+            <a:br/>
+            <a:r>
+              <a:rPr lang="ko" sz="900">
+                <a:latin typeface="맑은 고딕"/>
+                <a:ea typeface="맑은 고딕"/>
+                <a:cs typeface="맑은 고딕"/>
+              </a:rPr>
+              <a:t>[e-Pro] 스키마 그룹 관련 작업</a:t>
+            </a:r>
+          </a:p>
+        </p:txBody>
+      </p:sp>
+      <p:sp>
+        <p:nvSpPr>
+          <p:cNvPr id="434542661" name="Text">
+    </p:cNvPr>
+          <p:cNvSpPr>
+            <a:spLocks noGrp="1"/>
+          </p:cNvSpPr>
+          <p:nvPr/>
+        </p:nvSpPr>
+        <p:spPr>
+          <a:xfrm rot="0">
+            <a:off x="7442200" y="2324100"/>
+            <a:ext cx="2552700" cy="762000"/>
+          </a:xfrm>
+          <a:prstGeom prst="rect">
+            <a:avLst/>
+          </a:prstGeom>
+        </p:spPr>
+        <p:txBody>
+          <a:bodyPr wrap="square" lIns="0" tIns="0" rIns="0" bIns="0" rtlCol="0" anchor="t"/>
+          <a:lstStyle/>
+          <a:p>
+            <a:pPr algn="l">
+              <a:lnSpc>
+                <a:spcPct val="100%"/>
+              </a:lnSpc>
+              <a:defRPr sz="900">
+                <a:solidFill>
+                  <a:srgbClr val="000000"/>
+                </a:solidFill>
+                <a:latin typeface="맑은 고딕"/>
+                <a:ea typeface="맑은 고딕"/>
+                <a:cs typeface="맑은 고딕"/>
+              </a:defRPr>
+            </a:pPr>
+          </a:p>
+        </p:txBody>
+      </p:sp>
+      <p:sp>
+        <p:nvSpPr>
+          <p:cNvPr id="686171249" name="Text">
+    </p:cNvPr>
+          <p:cNvSpPr>
+            <a:spLocks noGrp="1"/>
+          </p:cNvSpPr>
+          <p:nvPr/>
+        </p:nvSpPr>
+        <p:spPr>
+          <a:xfrm rot="0">
+            <a:off x="6324600" y="2273300"/>
+            <a:ext cx="762000" cy="812800"/>
+          </a:xfrm>
+          <a:prstGeom prst="rect">
+            <a:avLst/>
+          </a:prstGeom>
+          <a:ln w="12700">
+            <a:solidFill>
+              <a:srgbClr val="000000"/>
+            </a:solidFill>
+            <a:prstDash val="solid"/>
+          </a:ln>
+        </p:spPr>
+        <p:txBody>
+          <a:bodyPr wrap="square" lIns="0" tIns="0" rIns="0" bIns="0" rtlCol="0" anchor="ctr"/>
+          <a:lstStyle/>
+          <a:p>
+            <a:pPr algn="ctr">
+              <a:lnSpc>
+                <a:spcPct val="100%"/>
+              </a:lnSpc>
+              <a:defRPr sz="900">
+                <a:solidFill>
+                  <a:srgbClr val="000000"/>
+                </a:solidFill>
+                <a:latin typeface="맑은 고딕"/>
+                <a:ea typeface="맑은 고딕"/>
+                <a:cs typeface="맑은 고딕"/>
+              </a:defRPr>
+            </a:pPr>
+            <a:r>
+              <a:rPr lang="ko" sz="900">
+                <a:latin typeface="맑은 고딕"/>
+                <a:ea typeface="맑은 고딕"/>
+                <a:cs typeface="맑은 고딕"/>
+              </a:rPr>
+              <a:t>완료</a:t>
+            </a:r>
+          </a:p>
+        </p:txBody>
+      </p:sp>
+      <p:sp>
+        <p:nvSpPr>
+          <p:cNvPr id="1771287627" name="Text">
+    </p:cNvPr>
+          <p:cNvSpPr>
+            <a:spLocks noGrp="1"/>
+          </p:cNvSpPr>
+          <p:nvPr/>
+        </p:nvSpPr>
+        <p:spPr>
+          <a:xfrm rot="0">
+            <a:off x="5549900" y="2324100"/>
+            <a:ext cx="774700" cy="762000"/>
+          </a:xfrm>
+          <a:prstGeom prst="rect">
+            <a:avLst/>
+          </a:prstGeom>
+        </p:spPr>
+        <p:txBody>
+          <a:bodyPr wrap="square" lIns="0" tIns="0" rIns="0" bIns="0" rtlCol="0" anchor="t"/>
+          <a:lstStyle/>
+          <a:p>
+            <a:pPr algn="ctr">
+              <a:lnSpc>
+                <a:spcPct val="100%"/>
+              </a:lnSpc>
+              <a:defRPr sz="900">
+                <a:solidFill>
+                  <a:srgbClr val="000000"/>
+                </a:solidFill>
+                <a:latin typeface="맑은 고딕"/>
+                <a:ea typeface="맑은 고딕"/>
+                <a:cs typeface="맑은 고딕"/>
+              </a:defRPr>
+            </a:pPr>
+            <a:r>
+              <a:rPr lang="ko" sz="900">
+                <a:latin typeface="맑은 고딕"/>
+                <a:ea typeface="맑은 고딕"/>
+                <a:cs typeface="맑은 고딕"/>
+              </a:rPr>
+              <a:t>100%</a:t>
+            </a:r>
+            <a:br/>
+            <a:r>
+              <a:rPr lang="ko" sz="900">
+                <a:latin typeface="맑은 고딕"/>
+                <a:ea typeface="맑은 고딕"/>
+                <a:cs typeface="맑은 고딕"/>
+              </a:rPr>
+              <a:t>02/16</a:t>
+            </a:r>
+            <a:br/>
+            <a:r>
+              <a:rPr lang="ko" sz="900">
+                <a:latin typeface="맑은 고딕"/>
+                <a:ea typeface="맑은 고딕"/>
+                <a:cs typeface="맑은 고딕"/>
+              </a:rPr>
+              <a:t>02/15</a:t>
+            </a:r>
+            <a:br/>
+            <a:r>
+              <a:rPr lang="ko" sz="900">
+                <a:latin typeface="맑은 고딕"/>
+                <a:ea typeface="맑은 고딕"/>
+                <a:cs typeface="맑은 고딕"/>
+              </a:rPr>
+              <a:t>02/17</a:t>
+            </a:r>
+          </a:p>
+        </p:txBody>
+      </p:sp>
+      <p:sp>
+        <p:nvSpPr>
+          <p:cNvPr id="1451465975" name="Text">
+    </p:cNvPr>
+          <p:cNvSpPr>
+            <a:spLocks noGrp="1"/>
+          </p:cNvSpPr>
+          <p:nvPr/>
+        </p:nvSpPr>
+        <p:spPr>
+          <a:xfrm rot="0">
+            <a:off x="901700" y="2273300"/>
+            <a:ext cx="4648200" cy="812800"/>
+          </a:xfrm>
+          <a:prstGeom prst="rect">
+            <a:avLst/>
+          </a:prstGeom>
+          <a:ln w="12700">
+            <a:solidFill>
+              <a:srgbClr val="000000"/>
+            </a:solidFill>
+            <a:prstDash val="solid"/>
+          </a:ln>
+        </p:spPr>
+        <p:txBody>
+          <a:bodyPr wrap="square" lIns="0" tIns="0" rIns="0" bIns="0" rtlCol="0" anchor="t"/>
+          <a:lstStyle/>
+          <a:p>
+            <a:pPr algn="l">
+              <a:lnSpc>
+                <a:spcPct val="100%"/>
+              </a:lnSpc>
+              <a:defRPr sz="900">
+                <a:solidFill>
+                  <a:srgbClr val="000000"/>
+                </a:solidFill>
+                <a:latin typeface="맑은 고딕"/>
+                <a:ea typeface="맑은 고딕"/>
+                <a:cs typeface="맑은 고딕"/>
+              </a:defRPr>
+            </a:pPr>
+            <a:r>
+              <a:rPr lang="ko" sz="900">
+                <a:latin typeface="맑은 고딕"/>
+                <a:ea typeface="맑은 고딕"/>
+                <a:cs typeface="맑은 고딕"/>
+              </a:rPr>
+              <a:t> </a:t>
+            </a:r>
+          </a:p>
+        </p:txBody>
+      </p:sp>
+      <p:sp>
+        <p:nvSpPr>
+          <p:cNvPr id="2072642258" name="Text">
+    </p:cNvPr>
+          <p:cNvSpPr>
+            <a:spLocks noGrp="1"/>
+          </p:cNvSpPr>
+          <p:nvPr/>
+        </p:nvSpPr>
+        <p:spPr>
+          <a:xfrm rot="0">
+            <a:off x="7340600" y="2273300"/>
+            <a:ext cx="2654300" cy="812800"/>
+          </a:xfrm>
+          <a:prstGeom prst="rect">
+            <a:avLst/>
+          </a:prstGeom>
+          <a:ln w="12700">
+            <a:solidFill>
+              <a:srgbClr val="000000"/>
+            </a:solidFill>
+            <a:prstDash val="solid"/>
+          </a:ln>
+        </p:spPr>
+        <p:txBody>
+          <a:bodyPr wrap="square" lIns="0" tIns="0" rIns="0" bIns="0" rtlCol="0" anchor="t"/>
+          <a:lstStyle/>
+          <a:p>
+            <a:pPr algn="l">
+              <a:lnSpc>
+                <a:spcPct val="100%"/>
+              </a:lnSpc>
+              <a:defRPr sz="900">
+                <a:solidFill>
+                  <a:srgbClr val="000000"/>
+                </a:solidFill>
+                <a:latin typeface="맑은 고딕"/>
+                <a:ea typeface="맑은 고딕"/>
+                <a:cs typeface="맑은 고딕"/>
+              </a:defRPr>
+            </a:pPr>
+            <a:r>
+              <a:rPr lang="ko" sz="900">
+                <a:latin typeface="맑은 고딕"/>
+                <a:ea typeface="맑은 고딕"/>
+                <a:cs typeface="맑은 고딕"/>
+              </a:rPr>
+              <a:t> </a:t>
+            </a:r>
+          </a:p>
+        </p:txBody>
+      </p:sp>
+      <p:sp>
+        <p:nvSpPr>
+          <p:cNvPr id="1649828990" name="Text">
+    </p:cNvPr>
+          <p:cNvSpPr>
+            <a:spLocks noGrp="1"/>
+          </p:cNvSpPr>
+          <p:nvPr/>
+        </p:nvSpPr>
+        <p:spPr>
+          <a:xfrm rot="0">
+            <a:off x="5549900" y="2273300"/>
+            <a:ext cx="774700" cy="812800"/>
+          </a:xfrm>
+          <a:prstGeom prst="rect">
+            <a:avLst/>
+          </a:prstGeom>
+          <a:ln w="12700">
+            <a:solidFill>
+              <a:srgbClr val="000000"/>
+            </a:solidFill>
+            <a:prstDash val="solid"/>
+          </a:ln>
+        </p:spPr>
+        <p:txBody>
+          <a:bodyPr wrap="square" lIns="0" tIns="0" rIns="0" bIns="0" rtlCol="0" anchor="t"/>
+          <a:lstStyle/>
+          <a:p>
+            <a:pPr algn="ctr">
+              <a:lnSpc>
+                <a:spcPct val="100%"/>
+              </a:lnSpc>
+              <a:defRPr sz="900">
+                <a:solidFill>
+                  <a:srgbClr val="000000"/>
+                </a:solidFill>
+                <a:latin typeface="맑은 고딕"/>
+                <a:ea typeface="맑은 고딕"/>
+                <a:cs typeface="맑은 고딕"/>
+              </a:defRPr>
+            </a:pPr>
+            <a:r>
+              <a:rPr lang="ko" sz="900">
+                <a:latin typeface="맑은 고딕"/>
+                <a:ea typeface="맑은 고딕"/>
+                <a:cs typeface="맑은 고딕"/>
+              </a:rPr>
+              <a:t> </a:t>
+            </a:r>
+          </a:p>
+        </p:txBody>
+      </p:sp>
+      <p:sp>
+        <p:nvSpPr>
+          <p:cNvPr id="370390419" name="Rectangle"/>
+          <p:cNvSpPr>
+            <a:spLocks noGrp="1"/>
+          </p:cNvSpPr>
+          <p:nvPr/>
+        </p:nvSpPr>
+        <p:spPr>
+          <a:xfrm>
+            <a:off x="7086600" y="2273300"/>
+            <a:ext cx="254000" cy="812800"/>
+          </a:xfrm>
+          <a:prstGeom prst="rect">
+            <a:avLst/>
+          </a:prstGeom>
+          <a:solidFill>
+            <a:srgbClr val="00FF00"/>
+          </a:solidFill>
+          <a:ln w="12700">
+            <a:solidFill>
+              <a:srgbClr val="000000"/>
+            </a:solidFill>
+            <a:prstDash val="solid"/>
+          </a:ln>
+        </p:spPr>
+        <p:txBody>
+          <a:bodyPr rtlCol="0" anchor="ctr"/>
+          <a:lstStyle/>
+          <a:p>
+            <a:pPr algn="ctr"/>
+          </a:p>
+        </p:txBody>
+      </p:sp>
     </p:spTree>
   </p:cSld>
   <p:clrMapOvr>
